--- a/Advanced Reactor Materials/Lec21_AdvancedCladding.pptx
+++ b/Advanced Reactor Materials/Lec21_AdvancedCladding.pptx
@@ -6,8 +6,10 @@
   </p:sldMasterIdLst>
   <p:sldIdLst>
     <p:sldId id="257" r:id="rId2"/>
-    <p:sldId id="407" r:id="rId3"/>
-    <p:sldId id="480" r:id="rId4"/>
+    <p:sldId id="510" r:id="rId3"/>
+    <p:sldId id="407" r:id="rId4"/>
+    <p:sldId id="509" r:id="rId5"/>
+    <p:sldId id="500" r:id="rId6"/>
   </p:sldIdLst>
   <p:sldSz cx="12192000" cy="6858000"/>
   <p:notesSz cx="6858000" cy="9144000"/>
@@ -305,7 +307,7 @@
               <a:pPr>
                 <a:defRPr/>
               </a:pPr>
-              <a:t>9/23/21</a:t>
+              <a:t>11/11/21</a:t>
             </a:fld>
             <a:endParaRPr lang="en-US"/>
           </a:p>
@@ -501,7 +503,7 @@
               <a:pPr>
                 <a:defRPr/>
               </a:pPr>
-              <a:t>9/23/21</a:t>
+              <a:t>11/11/21</a:t>
             </a:fld>
             <a:endParaRPr lang="en-US"/>
           </a:p>
@@ -706,7 +708,7 @@
               <a:pPr>
                 <a:defRPr/>
               </a:pPr>
-              <a:t>9/23/21</a:t>
+              <a:t>11/11/21</a:t>
             </a:fld>
             <a:endParaRPr lang="en-US"/>
           </a:p>
@@ -908,7 +910,7 @@
               <a:pPr>
                 <a:defRPr/>
               </a:pPr>
-              <a:t>9/23/21</a:t>
+              <a:t>11/11/21</a:t>
             </a:fld>
             <a:endParaRPr lang="en-US"/>
           </a:p>
@@ -1181,7 +1183,7 @@
               <a:pPr>
                 <a:defRPr/>
               </a:pPr>
-              <a:t>9/23/21</a:t>
+              <a:t>11/11/21</a:t>
             </a:fld>
             <a:endParaRPr lang="en-US"/>
           </a:p>
@@ -1495,7 +1497,7 @@
               <a:pPr>
                 <a:defRPr/>
               </a:pPr>
-              <a:t>9/23/21</a:t>
+              <a:t>11/11/21</a:t>
             </a:fld>
             <a:endParaRPr lang="en-US"/>
           </a:p>
@@ -1818,7 +1820,7 @@
               <a:pPr>
                 <a:defRPr/>
               </a:pPr>
-              <a:t>9/23/21</a:t>
+              <a:t>11/11/21</a:t>
             </a:fld>
             <a:endParaRPr lang="en-US"/>
           </a:p>
@@ -1962,7 +1964,7 @@
               <a:pPr>
                 <a:defRPr/>
               </a:pPr>
-              <a:t>9/23/21</a:t>
+              <a:t>11/11/21</a:t>
             </a:fld>
             <a:endParaRPr lang="en-US"/>
           </a:p>
@@ -2084,7 +2086,7 @@
               <a:pPr>
                 <a:defRPr/>
               </a:pPr>
-              <a:t>9/23/21</a:t>
+              <a:t>11/11/21</a:t>
             </a:fld>
             <a:endParaRPr lang="en-US"/>
           </a:p>
@@ -2386,7 +2388,7 @@
               <a:pPr>
                 <a:defRPr/>
               </a:pPr>
-              <a:t>9/23/21</a:t>
+              <a:t>11/11/21</a:t>
             </a:fld>
             <a:endParaRPr lang="en-US"/>
           </a:p>
@@ -2673,7 +2675,7 @@
               <a:pPr>
                 <a:defRPr/>
               </a:pPr>
-              <a:t>9/23/21</a:t>
+              <a:t>11/11/21</a:t>
             </a:fld>
             <a:endParaRPr lang="en-US"/>
           </a:p>
@@ -2797,14 +2799,14 @@
           </a:ln>
           <a:extLst>
             <a:ext uri="{909E8E84-426E-40dd-AFC4-6F175D3DCCD1}">
-              <a14:hiddenFill xmlns="" xmlns:a14="http://schemas.microsoft.com/office/drawing/2010/main">
+              <a14:hiddenFill xmlns:a14="http://schemas.microsoft.com/office/drawing/2010/main" xmlns="">
                 <a:solidFill>
                   <a:srgbClr val="FFFFFF"/>
                 </a:solidFill>
               </a14:hiddenFill>
             </a:ext>
             <a:ext uri="{91240B29-F687-4f45-9708-019B960494DF}">
-              <a14:hiddenLine xmlns="" xmlns:a14="http://schemas.microsoft.com/office/drawing/2010/main" w="9525">
+              <a14:hiddenLine xmlns:a14="http://schemas.microsoft.com/office/drawing/2010/main" xmlns="" w="9525">
                 <a:solidFill>
                   <a:srgbClr val="000000"/>
                 </a:solidFill>
@@ -2814,7 +2816,7 @@
               </a14:hiddenLine>
             </a:ext>
             <a:ext uri="{FAA26D3D-D897-4be2-8F04-BA451C77F1D7}">
-              <ma14:placeholderFlag xmlns="" xmlns:ma14="http://schemas.microsoft.com/office/mac/drawingml/2011/main" val="1"/>
+              <ma14:placeholderFlag xmlns:ma14="http://schemas.microsoft.com/office/mac/drawingml/2011/main" xmlns="" val="1"/>
             </a:ext>
           </a:extLst>
         </p:spPr>
@@ -2865,14 +2867,14 @@
           </a:ln>
           <a:extLst>
             <a:ext uri="{909E8E84-426E-40dd-AFC4-6F175D3DCCD1}">
-              <a14:hiddenFill xmlns="" xmlns:a14="http://schemas.microsoft.com/office/drawing/2010/main">
+              <a14:hiddenFill xmlns:a14="http://schemas.microsoft.com/office/drawing/2010/main" xmlns="">
                 <a:solidFill>
                   <a:srgbClr val="FFFFFF"/>
                 </a:solidFill>
               </a14:hiddenFill>
             </a:ext>
             <a:ext uri="{91240B29-F687-4f45-9708-019B960494DF}">
-              <a14:hiddenLine xmlns="" xmlns:a14="http://schemas.microsoft.com/office/drawing/2010/main" w="9525">
+              <a14:hiddenLine xmlns:a14="http://schemas.microsoft.com/office/drawing/2010/main" xmlns="" w="9525">
                 <a:solidFill>
                   <a:srgbClr val="000000"/>
                 </a:solidFill>
@@ -2882,7 +2884,7 @@
               </a14:hiddenLine>
             </a:ext>
             <a:ext uri="{FAA26D3D-D897-4be2-8F04-BA451C77F1D7}">
-              <ma14:placeholderFlag xmlns="" xmlns:ma14="http://schemas.microsoft.com/office/mac/drawingml/2011/main" val="1"/>
+              <ma14:placeholderFlag xmlns:ma14="http://schemas.microsoft.com/office/mac/drawingml/2011/main" xmlns="" val="1"/>
             </a:ext>
           </a:extLst>
         </p:spPr>
@@ -2981,7 +2983,7 @@
               <a:pPr>
                 <a:defRPr/>
               </a:pPr>
-              <a:t>9/23/21</a:t>
+              <a:t>11/11/21</a:t>
             </a:fld>
             <a:endParaRPr lang="en-US" dirty="0"/>
           </a:p>
@@ -3647,7 +3649,7 @@
           <p:cNvPr id="2" name="Title 1">
             <a:extLst>
               <a:ext uri="{FF2B5EF4-FFF2-40B4-BE49-F238E27FC236}">
-                <a16:creationId xmlns:a16="http://schemas.microsoft.com/office/drawing/2014/main" id="{297947CF-EAEA-5F40-93E5-30922295C42A}"/>
+                <a16:creationId xmlns:a16="http://schemas.microsoft.com/office/drawing/2014/main" id="{291111B0-4D23-2B4F-B43C-D3DCA860EFEC}"/>
               </a:ext>
             </a:extLst>
           </p:cNvPr>
@@ -3665,15 +3667,40 @@
           <a:p>
             <a:r>
               <a:rPr lang="en-US" dirty="0"/>
-              <a:t>advanced cladding</a:t>
-            </a:r>
+              <a:t>Last Time</a:t>
+            </a:r>
+          </a:p>
+        </p:txBody>
+      </p:sp>
+      <p:sp>
+        <p:nvSpPr>
+          <p:cNvPr id="3" name="Content Placeholder 2">
+            <a:extLst>
+              <a:ext uri="{FF2B5EF4-FFF2-40B4-BE49-F238E27FC236}">
+                <a16:creationId xmlns:a16="http://schemas.microsoft.com/office/drawing/2014/main" id="{8DA78C5C-C8E6-9340-A5EE-A2B64B84FFAD}"/>
+              </a:ext>
+            </a:extLst>
+          </p:cNvPr>
+          <p:cNvSpPr>
+            <a:spLocks noGrp="1"/>
+          </p:cNvSpPr>
+          <p:nvPr>
+            <p:ph idx="1"/>
+          </p:nvPr>
+        </p:nvSpPr>
+        <p:spPr/>
+        <p:txBody>
+          <a:bodyPr/>
+          <a:lstStyle/>
+          <a:p>
+            <a:endParaRPr lang="en-US"/>
           </a:p>
         </p:txBody>
       </p:sp>
     </p:spTree>
     <p:extLst>
       <p:ext uri="{BB962C8B-B14F-4D97-AF65-F5344CB8AC3E}">
-        <p14:creationId xmlns:p14="http://schemas.microsoft.com/office/powerpoint/2010/main" val="4063663636"/>
+        <p14:creationId xmlns:p14="http://schemas.microsoft.com/office/powerpoint/2010/main" val="988529525"/>
       </p:ext>
     </p:extLst>
   </p:cSld>
@@ -3705,7 +3732,7 @@
           <p:cNvPr id="2" name="Title 1">
             <a:extLst>
               <a:ext uri="{FF2B5EF4-FFF2-40B4-BE49-F238E27FC236}">
-                <a16:creationId xmlns:a16="http://schemas.microsoft.com/office/drawing/2014/main" id="{B96CE851-9CAA-904E-B87E-EDA6E1A4863B}"/>
+                <a16:creationId xmlns:a16="http://schemas.microsoft.com/office/drawing/2014/main" id="{297947CF-EAEA-5F40-93E5-30922295C42A}"/>
               </a:ext>
             </a:extLst>
           </p:cNvPr>
@@ -3723,7 +3750,65 @@
           <a:p>
             <a:r>
               <a:rPr lang="en-US" dirty="0"/>
-              <a:t>SFR Cladding</a:t>
+              <a:t>advanced cladding</a:t>
+            </a:r>
+          </a:p>
+        </p:txBody>
+      </p:sp>
+    </p:spTree>
+    <p:extLst>
+      <p:ext uri="{BB962C8B-B14F-4D97-AF65-F5344CB8AC3E}">
+        <p14:creationId xmlns:p14="http://schemas.microsoft.com/office/powerpoint/2010/main" val="4063663636"/>
+      </p:ext>
+    </p:extLst>
+  </p:cSld>
+  <p:clrMapOvr>
+    <a:masterClrMapping/>
+  </p:clrMapOvr>
+</p:sld>
+</file>
+
+<file path=ppt/slides/slide4.xml><?xml version="1.0" encoding="utf-8"?>
+<p:sld xmlns:a="http://schemas.openxmlformats.org/drawingml/2006/main" xmlns:r="http://schemas.openxmlformats.org/officeDocument/2006/relationships" xmlns:p="http://schemas.openxmlformats.org/presentationml/2006/main">
+  <p:cSld>
+    <p:spTree>
+      <p:nvGrpSpPr>
+        <p:cNvPr id="1" name=""/>
+        <p:cNvGrpSpPr/>
+        <p:nvPr/>
+      </p:nvGrpSpPr>
+      <p:grpSpPr>
+        <a:xfrm>
+          <a:off x="0" y="0"/>
+          <a:ext cx="0" cy="0"/>
+          <a:chOff x="0" y="0"/>
+          <a:chExt cx="0" cy="0"/>
+        </a:xfrm>
+      </p:grpSpPr>
+      <p:sp>
+        <p:nvSpPr>
+          <p:cNvPr id="2" name="Title 1">
+            <a:extLst>
+              <a:ext uri="{FF2B5EF4-FFF2-40B4-BE49-F238E27FC236}">
+                <a16:creationId xmlns:a16="http://schemas.microsoft.com/office/drawing/2014/main" id="{C22EFB36-5F27-9945-A9D8-87E91B00AB40}"/>
+              </a:ext>
+            </a:extLst>
+          </p:cNvPr>
+          <p:cNvSpPr>
+            <a:spLocks noGrp="1"/>
+          </p:cNvSpPr>
+          <p:nvPr>
+            <p:ph type="title"/>
+          </p:nvPr>
+        </p:nvSpPr>
+        <p:spPr/>
+        <p:txBody>
+          <a:bodyPr/>
+          <a:lstStyle/>
+          <a:p>
+            <a:r>
+              <a:rPr lang="en-US" dirty="0"/>
+              <a:t>Irradiation Embrittlement</a:t>
             </a:r>
           </a:p>
         </p:txBody>
@@ -3733,7 +3818,7 @@
           <p:cNvPr id="3" name="Content Placeholder 2">
             <a:extLst>
               <a:ext uri="{FF2B5EF4-FFF2-40B4-BE49-F238E27FC236}">
-                <a16:creationId xmlns:a16="http://schemas.microsoft.com/office/drawing/2014/main" id="{DA5AC39C-F1A3-CA4D-8276-0BBA3895B9A8}"/>
+                <a16:creationId xmlns:a16="http://schemas.microsoft.com/office/drawing/2014/main" id="{2AED229B-5010-894D-AD9B-45DDBB6265CC}"/>
               </a:ext>
             </a:extLst>
           </p:cNvPr>
@@ -3746,8 +3831,8 @@
         </p:nvSpPr>
         <p:spPr>
           <a:xfrm>
-            <a:off x="609599" y="1968503"/>
-            <a:ext cx="6243145" cy="4157663"/>
+            <a:off x="609600" y="1968503"/>
+            <a:ext cx="6109252" cy="4157663"/>
           </a:xfrm>
         </p:spPr>
         <p:txBody>
@@ -3755,38 +3840,35 @@
           <a:lstStyle/>
           <a:p>
             <a:r>
-              <a:rPr lang="en-US" sz="2400" dirty="0"/>
-              <a:t>HT9 is the current cladding material of choice for SFRs</a:t>
-            </a:r>
-          </a:p>
-          <a:p>
-            <a:r>
-              <a:rPr lang="en-US" sz="2400" dirty="0"/>
-              <a:t>HT9 is a </a:t>
-            </a:r>
-            <a:r>
-              <a:rPr lang="en-US" sz="2400" dirty="0" err="1"/>
-              <a:t>nonswelling</a:t>
-            </a:r>
-            <a:r>
-              <a:rPr lang="en-US" sz="2400" dirty="0"/>
-              <a:t> ferritic/martensitic stainless steel</a:t>
-            </a:r>
-          </a:p>
-          <a:p>
-            <a:r>
-              <a:rPr lang="en-US" sz="2400" dirty="0"/>
-              <a:t>The rate of cladding strain has increased for the initially 85% fuel smeared density elements</a:t>
-            </a:r>
-          </a:p>
-          <a:p>
-            <a:endParaRPr lang="en-US" sz="2400" dirty="0"/>
-          </a:p>
-          <a:p>
-            <a:endParaRPr lang="en-US" sz="2400" dirty="0"/>
-          </a:p>
-          <a:p>
-            <a:endParaRPr lang="en-US" sz="2400" dirty="0"/>
+              <a:rPr lang="en-US" sz="2200" dirty="0"/>
+              <a:t>Ferritic steels have these large of monocarbides, which aid in creep resistance</a:t>
+            </a:r>
+          </a:p>
+          <a:p>
+            <a:r>
+              <a:rPr lang="en-US" sz="2200" dirty="0"/>
+              <a:t>The lath boundaries are decorated with Cr rich M23C6 precipitates which increase the thermal stability of the steel</a:t>
+            </a:r>
+          </a:p>
+          <a:p>
+            <a:r>
+              <a:rPr lang="en-US" sz="2200" dirty="0"/>
+              <a:t>Embrittlement is caused by 1) segregation of elements to lath boundaries which make the grain boundaries </a:t>
+            </a:r>
+            <a:r>
+              <a:rPr lang="en-US" sz="2200" dirty="0" err="1"/>
+              <a:t>decohesive</a:t>
+            </a:r>
+            <a:r>
+              <a:rPr lang="en-US" sz="2200" dirty="0"/>
+              <a:t>, and 2) evolution of carbides and intermetallic phases</a:t>
+            </a:r>
+          </a:p>
+          <a:p>
+            <a:endParaRPr lang="en-US" sz="2200" dirty="0"/>
+          </a:p>
+          <a:p>
+            <a:endParaRPr lang="en-US" sz="2200" dirty="0"/>
           </a:p>
         </p:txBody>
       </p:sp>
@@ -3795,7 +3877,7 @@
           <p:cNvPr id="5" name="Slide Number Placeholder 4">
             <a:extLst>
               <a:ext uri="{FF2B5EF4-FFF2-40B4-BE49-F238E27FC236}">
-                <a16:creationId xmlns:a16="http://schemas.microsoft.com/office/drawing/2014/main" id="{000C07CA-C85C-0E46-83B0-05559C6298A2}"/>
+                <a16:creationId xmlns:a16="http://schemas.microsoft.com/office/drawing/2014/main" id="{C3DA07E5-1A72-BA4B-9D53-E645004492FB}"/>
               </a:ext>
             </a:extLst>
           </p:cNvPr>
@@ -3819,9 +3901,151 @@
               <a:pPr>
                 <a:defRPr/>
               </a:pPr>
-              <a:t>3</a:t>
+              <a:t>4</a:t>
             </a:fld>
             <a:endParaRPr lang="en-US"/>
+          </a:p>
+        </p:txBody>
+      </p:sp>
+      <p:sp>
+        <p:nvSpPr>
+          <p:cNvPr id="7" name="Content Placeholder 6">
+            <a:extLst>
+              <a:ext uri="{FF2B5EF4-FFF2-40B4-BE49-F238E27FC236}">
+                <a16:creationId xmlns:a16="http://schemas.microsoft.com/office/drawing/2014/main" id="{56E9ADDF-4841-5D40-8107-49C874CE001E}"/>
+              </a:ext>
+            </a:extLst>
+          </p:cNvPr>
+          <p:cNvSpPr>
+            <a:spLocks noGrp="1"/>
+          </p:cNvSpPr>
+          <p:nvPr>
+            <p:ph sz="half" idx="2"/>
+          </p:nvPr>
+        </p:nvSpPr>
+        <p:spPr>
+          <a:xfrm>
+            <a:off x="6718852" y="1968503"/>
+            <a:ext cx="4863548" cy="4157663"/>
+          </a:xfrm>
+        </p:spPr>
+        <p:txBody>
+          <a:bodyPr/>
+          <a:lstStyle/>
+          <a:p>
+            <a:r>
+              <a:rPr lang="en-US" sz="2200" dirty="0"/>
+              <a:t>For removable components such as clad, which are subjected to high temperature and pressure with a residence time of a few years, creep embrittlement is the issue which decides their design and performance</a:t>
+            </a:r>
+          </a:p>
+          <a:p>
+            <a:r>
+              <a:rPr lang="en-US" sz="2200" dirty="0"/>
+              <a:t>The increase in the ductile to brittle transition temperature, DBTT, is known to be related to irradiation hardening, which is generally observed to saturate with fluence</a:t>
+            </a:r>
+          </a:p>
+          <a:p>
+            <a:endParaRPr lang="en-US" sz="2200" dirty="0"/>
+          </a:p>
+          <a:p>
+            <a:endParaRPr lang="en-US" sz="2200" dirty="0"/>
+          </a:p>
+        </p:txBody>
+      </p:sp>
+    </p:spTree>
+    <p:extLst>
+      <p:ext uri="{BB962C8B-B14F-4D97-AF65-F5344CB8AC3E}">
+        <p14:creationId xmlns:p14="http://schemas.microsoft.com/office/powerpoint/2010/main" val="4253805883"/>
+      </p:ext>
+    </p:extLst>
+  </p:cSld>
+  <p:clrMapOvr>
+    <a:masterClrMapping/>
+  </p:clrMapOvr>
+</p:sld>
+</file>
+
+<file path=ppt/slides/slide5.xml><?xml version="1.0" encoding="utf-8"?>
+<p:sld xmlns:a="http://schemas.openxmlformats.org/drawingml/2006/main" xmlns:r="http://schemas.openxmlformats.org/officeDocument/2006/relationships" xmlns:p="http://schemas.openxmlformats.org/presentationml/2006/main">
+  <p:cSld>
+    <p:spTree>
+      <p:nvGrpSpPr>
+        <p:cNvPr id="1" name=""/>
+        <p:cNvGrpSpPr/>
+        <p:nvPr/>
+      </p:nvGrpSpPr>
+      <p:grpSpPr>
+        <a:xfrm>
+          <a:off x="0" y="0"/>
+          <a:ext cx="0" cy="0"/>
+          <a:chOff x="0" y="0"/>
+          <a:chExt cx="0" cy="0"/>
+        </a:xfrm>
+      </p:grpSpPr>
+      <p:sp>
+        <p:nvSpPr>
+          <p:cNvPr id="2" name="Title 1">
+            <a:extLst>
+              <a:ext uri="{FF2B5EF4-FFF2-40B4-BE49-F238E27FC236}">
+                <a16:creationId xmlns:a16="http://schemas.microsoft.com/office/drawing/2014/main" id="{C22EFB36-5F27-9945-A9D8-87E91B00AB40}"/>
+              </a:ext>
+            </a:extLst>
+          </p:cNvPr>
+          <p:cNvSpPr>
+            <a:spLocks noGrp="1"/>
+          </p:cNvSpPr>
+          <p:nvPr>
+            <p:ph type="title"/>
+          </p:nvPr>
+        </p:nvSpPr>
+        <p:spPr/>
+        <p:txBody>
+          <a:bodyPr/>
+          <a:lstStyle/>
+          <a:p>
+            <a:r>
+              <a:rPr lang="en-US" dirty="0"/>
+              <a:t>Irradiation Embrittlement</a:t>
+            </a:r>
+          </a:p>
+        </p:txBody>
+      </p:sp>
+      <p:sp>
+        <p:nvSpPr>
+          <p:cNvPr id="3" name="Content Placeholder 2">
+            <a:extLst>
+              <a:ext uri="{FF2B5EF4-FFF2-40B4-BE49-F238E27FC236}">
+                <a16:creationId xmlns:a16="http://schemas.microsoft.com/office/drawing/2014/main" id="{2AED229B-5010-894D-AD9B-45DDBB6265CC}"/>
+              </a:ext>
+            </a:extLst>
+          </p:cNvPr>
+          <p:cNvSpPr>
+            <a:spLocks noGrp="1"/>
+          </p:cNvSpPr>
+          <p:nvPr>
+            <p:ph sz="half" idx="1"/>
+          </p:nvPr>
+        </p:nvSpPr>
+        <p:spPr>
+          <a:xfrm>
+            <a:off x="609599" y="1968504"/>
+            <a:ext cx="10972799" cy="675306"/>
+          </a:xfrm>
+        </p:spPr>
+        <p:txBody>
+          <a:bodyPr/>
+          <a:lstStyle/>
+          <a:p>
+            <a:r>
+              <a:rPr lang="en-US" sz="2400" dirty="0"/>
+              <a:t>Extensive evaluation of the embrittlement behavior of the ferritic steels for different chemistry has been performed</a:t>
+            </a:r>
+          </a:p>
+          <a:p>
+            <a:endParaRPr lang="en-US" sz="2400" dirty="0"/>
+          </a:p>
+          <a:p>
+            <a:endParaRPr lang="en-US" sz="2400" dirty="0"/>
           </a:p>
         </p:txBody>
       </p:sp>
@@ -3830,7 +4054,7 @@
           <p:cNvPr id="6" name="Content Placeholder 5">
             <a:extLst>
               <a:ext uri="{FF2B5EF4-FFF2-40B4-BE49-F238E27FC236}">
-                <a16:creationId xmlns:a16="http://schemas.microsoft.com/office/drawing/2014/main" id="{531087AC-ABF8-AA4B-884C-5B745CBDE44E}"/>
+                <a16:creationId xmlns:a16="http://schemas.microsoft.com/office/drawing/2014/main" id="{4AA7758F-EA61-D64D-9A69-433ECD5CAE13}"/>
               </a:ext>
             </a:extLst>
           </p:cNvPr>
@@ -3849,104 +4073,53 @@
         </p:blipFill>
         <p:spPr>
           <a:xfrm>
-            <a:off x="7493876" y="1758056"/>
-            <a:ext cx="3373820" cy="2460384"/>
+            <a:off x="3001341" y="2723321"/>
+            <a:ext cx="6242049" cy="4106611"/>
           </a:xfrm>
           <a:prstGeom prst="rect">
             <a:avLst/>
           </a:prstGeom>
         </p:spPr>
       </p:pic>
-      <p:grpSp>
-        <p:nvGrpSpPr>
-          <p:cNvPr id="9" name="Group 8">
+      <p:sp>
+        <p:nvSpPr>
+          <p:cNvPr id="5" name="Slide Number Placeholder 4">
             <a:extLst>
               <a:ext uri="{FF2B5EF4-FFF2-40B4-BE49-F238E27FC236}">
-                <a16:creationId xmlns:a16="http://schemas.microsoft.com/office/drawing/2014/main" id="{96B7E4DF-7DD2-0F4C-BDDC-1B287FA7D508}"/>
+                <a16:creationId xmlns:a16="http://schemas.microsoft.com/office/drawing/2014/main" id="{C3DA07E5-1A72-BA4B-9D53-E645004492FB}"/>
               </a:ext>
             </a:extLst>
           </p:cNvPr>
-          <p:cNvGrpSpPr/>
-          <p:nvPr/>
-        </p:nvGrpSpPr>
-        <p:grpSpPr>
-          <a:xfrm>
-            <a:off x="7367751" y="4218440"/>
-            <a:ext cx="3885104" cy="2584617"/>
-            <a:chOff x="7367751" y="4218440"/>
-            <a:chExt cx="3885104" cy="2584617"/>
-          </a:xfrm>
-        </p:grpSpPr>
-        <p:pic>
-          <p:nvPicPr>
-            <p:cNvPr id="7" name="Picture 6">
-              <a:extLst>
-                <a:ext uri="{FF2B5EF4-FFF2-40B4-BE49-F238E27FC236}">
-                  <a16:creationId xmlns:a16="http://schemas.microsoft.com/office/drawing/2014/main" id="{6BCD6EFD-6BE5-F241-9BF2-2C363B6643EF}"/>
-                </a:ext>
-              </a:extLst>
-            </p:cNvPr>
-            <p:cNvPicPr>
-              <a:picLocks noChangeAspect="1"/>
-            </p:cNvPicPr>
-            <p:nvPr/>
-          </p:nvPicPr>
-          <p:blipFill>
-            <a:blip r:embed="rId3"/>
-            <a:stretch>
-              <a:fillRect/>
-            </a:stretch>
-          </p:blipFill>
-          <p:spPr>
-            <a:xfrm>
-              <a:off x="7367751" y="4218440"/>
-              <a:ext cx="3885104" cy="2584617"/>
-            </a:xfrm>
-            <a:prstGeom prst="rect">
-              <a:avLst/>
-            </a:prstGeom>
-          </p:spPr>
-        </p:pic>
-        <p:sp>
-          <p:nvSpPr>
-            <p:cNvPr id="8" name="TextBox 7">
-              <a:extLst>
-                <a:ext uri="{FF2B5EF4-FFF2-40B4-BE49-F238E27FC236}">
-                  <a16:creationId xmlns:a16="http://schemas.microsoft.com/office/drawing/2014/main" id="{A6FFB420-B13E-AF4D-9FB4-348E057436AA}"/>
-                </a:ext>
-              </a:extLst>
-            </p:cNvPr>
-            <p:cNvSpPr txBox="1"/>
-            <p:nvPr/>
-          </p:nvSpPr>
-          <p:spPr>
-            <a:xfrm>
-              <a:off x="8460828" y="5057779"/>
-              <a:ext cx="882869" cy="307777"/>
-            </a:xfrm>
-            <a:prstGeom prst="rect">
-              <a:avLst/>
-            </a:prstGeom>
-            <a:noFill/>
-          </p:spPr>
-          <p:txBody>
-            <a:bodyPr wrap="square" rtlCol="0">
-              <a:spAutoFit/>
-            </a:bodyPr>
-            <a:lstStyle/>
-            <a:p>
-              <a:r>
-                <a:rPr lang="en-US" sz="1400" dirty="0"/>
-                <a:t>12.5% BU</a:t>
-              </a:r>
-            </a:p>
-          </p:txBody>
-        </p:sp>
-      </p:grpSp>
+          <p:cNvSpPr>
+            <a:spLocks noGrp="1"/>
+          </p:cNvSpPr>
+          <p:nvPr>
+            <p:ph type="sldNum" sz="quarter" idx="12"/>
+          </p:nvPr>
+        </p:nvSpPr>
+        <p:spPr/>
+        <p:txBody>
+          <a:bodyPr/>
+          <a:lstStyle/>
+          <a:p>
+            <a:pPr>
+              <a:defRPr/>
+            </a:pPr>
+            <a:fld id="{EC35E9FC-F6D5-0349-BBED-EA7D7A9BC49B}" type="slidenum">
+              <a:rPr lang="en-US" smtClean="0"/>
+              <a:pPr>
+                <a:defRPr/>
+              </a:pPr>
+              <a:t>5</a:t>
+            </a:fld>
+            <a:endParaRPr lang="en-US"/>
+          </a:p>
+        </p:txBody>
+      </p:sp>
     </p:spTree>
     <p:extLst>
       <p:ext uri="{BB962C8B-B14F-4D97-AF65-F5344CB8AC3E}">
-        <p14:creationId xmlns:p14="http://schemas.microsoft.com/office/powerpoint/2010/main" val="2739085487"/>
+        <p14:creationId xmlns:p14="http://schemas.microsoft.com/office/powerpoint/2010/main" val="1788869259"/>
       </p:ext>
     </p:extLst>
   </p:cSld>

--- a/Advanced Reactor Materials/Lec21_AdvancedCladding.pptx
+++ b/Advanced Reactor Materials/Lec21_AdvancedCladding.pptx
@@ -10,6 +10,9 @@
     <p:sldId id="407" r:id="rId4"/>
     <p:sldId id="509" r:id="rId5"/>
     <p:sldId id="500" r:id="rId6"/>
+    <p:sldId id="511" r:id="rId7"/>
+    <p:sldId id="512" r:id="rId8"/>
+    <p:sldId id="513" r:id="rId9"/>
   </p:sldIdLst>
   <p:sldSz cx="12192000" cy="6858000"/>
   <p:notesSz cx="6858000" cy="9144000"/>
@@ -307,7 +310,7 @@
               <a:pPr>
                 <a:defRPr/>
               </a:pPr>
-              <a:t>11/11/21</a:t>
+              <a:t>11/15/21</a:t>
             </a:fld>
             <a:endParaRPr lang="en-US"/>
           </a:p>
@@ -503,7 +506,7 @@
               <a:pPr>
                 <a:defRPr/>
               </a:pPr>
-              <a:t>11/11/21</a:t>
+              <a:t>11/15/21</a:t>
             </a:fld>
             <a:endParaRPr lang="en-US"/>
           </a:p>
@@ -708,7 +711,7 @@
               <a:pPr>
                 <a:defRPr/>
               </a:pPr>
-              <a:t>11/11/21</a:t>
+              <a:t>11/15/21</a:t>
             </a:fld>
             <a:endParaRPr lang="en-US"/>
           </a:p>
@@ -910,7 +913,7 @@
               <a:pPr>
                 <a:defRPr/>
               </a:pPr>
-              <a:t>11/11/21</a:t>
+              <a:t>11/15/21</a:t>
             </a:fld>
             <a:endParaRPr lang="en-US"/>
           </a:p>
@@ -1183,7 +1186,7 @@
               <a:pPr>
                 <a:defRPr/>
               </a:pPr>
-              <a:t>11/11/21</a:t>
+              <a:t>11/15/21</a:t>
             </a:fld>
             <a:endParaRPr lang="en-US"/>
           </a:p>
@@ -1497,7 +1500,7 @@
               <a:pPr>
                 <a:defRPr/>
               </a:pPr>
-              <a:t>11/11/21</a:t>
+              <a:t>11/15/21</a:t>
             </a:fld>
             <a:endParaRPr lang="en-US"/>
           </a:p>
@@ -1820,7 +1823,7 @@
               <a:pPr>
                 <a:defRPr/>
               </a:pPr>
-              <a:t>11/11/21</a:t>
+              <a:t>11/15/21</a:t>
             </a:fld>
             <a:endParaRPr lang="en-US"/>
           </a:p>
@@ -1964,7 +1967,7 @@
               <a:pPr>
                 <a:defRPr/>
               </a:pPr>
-              <a:t>11/11/21</a:t>
+              <a:t>11/15/21</a:t>
             </a:fld>
             <a:endParaRPr lang="en-US"/>
           </a:p>
@@ -2086,7 +2089,7 @@
               <a:pPr>
                 <a:defRPr/>
               </a:pPr>
-              <a:t>11/11/21</a:t>
+              <a:t>11/15/21</a:t>
             </a:fld>
             <a:endParaRPr lang="en-US"/>
           </a:p>
@@ -2388,7 +2391,7 @@
               <a:pPr>
                 <a:defRPr/>
               </a:pPr>
-              <a:t>11/11/21</a:t>
+              <a:t>11/15/21</a:t>
             </a:fld>
             <a:endParaRPr lang="en-US"/>
           </a:p>
@@ -2675,7 +2678,7 @@
               <a:pPr>
                 <a:defRPr/>
               </a:pPr>
-              <a:t>11/11/21</a:t>
+              <a:t>11/15/21</a:t>
             </a:fld>
             <a:endParaRPr lang="en-US"/>
           </a:p>
@@ -2799,14 +2802,14 @@
           </a:ln>
           <a:extLst>
             <a:ext uri="{909E8E84-426E-40dd-AFC4-6F175D3DCCD1}">
-              <a14:hiddenFill xmlns:a14="http://schemas.microsoft.com/office/drawing/2010/main" xmlns="">
+              <a14:hiddenFill xmlns="" xmlns:a14="http://schemas.microsoft.com/office/drawing/2010/main">
                 <a:solidFill>
                   <a:srgbClr val="FFFFFF"/>
                 </a:solidFill>
               </a14:hiddenFill>
             </a:ext>
             <a:ext uri="{91240B29-F687-4f45-9708-019B960494DF}">
-              <a14:hiddenLine xmlns:a14="http://schemas.microsoft.com/office/drawing/2010/main" xmlns="" w="9525">
+              <a14:hiddenLine xmlns="" xmlns:a14="http://schemas.microsoft.com/office/drawing/2010/main" w="9525">
                 <a:solidFill>
                   <a:srgbClr val="000000"/>
                 </a:solidFill>
@@ -2816,7 +2819,7 @@
               </a14:hiddenLine>
             </a:ext>
             <a:ext uri="{FAA26D3D-D897-4be2-8F04-BA451C77F1D7}">
-              <ma14:placeholderFlag xmlns:ma14="http://schemas.microsoft.com/office/mac/drawingml/2011/main" xmlns="" val="1"/>
+              <ma14:placeholderFlag xmlns="" xmlns:ma14="http://schemas.microsoft.com/office/mac/drawingml/2011/main" val="1"/>
             </a:ext>
           </a:extLst>
         </p:spPr>
@@ -2867,14 +2870,14 @@
           </a:ln>
           <a:extLst>
             <a:ext uri="{909E8E84-426E-40dd-AFC4-6F175D3DCCD1}">
-              <a14:hiddenFill xmlns:a14="http://schemas.microsoft.com/office/drawing/2010/main" xmlns="">
+              <a14:hiddenFill xmlns="" xmlns:a14="http://schemas.microsoft.com/office/drawing/2010/main">
                 <a:solidFill>
                   <a:srgbClr val="FFFFFF"/>
                 </a:solidFill>
               </a14:hiddenFill>
             </a:ext>
             <a:ext uri="{91240B29-F687-4f45-9708-019B960494DF}">
-              <a14:hiddenLine xmlns:a14="http://schemas.microsoft.com/office/drawing/2010/main" xmlns="" w="9525">
+              <a14:hiddenLine xmlns="" xmlns:a14="http://schemas.microsoft.com/office/drawing/2010/main" w="9525">
                 <a:solidFill>
                   <a:srgbClr val="000000"/>
                 </a:solidFill>
@@ -2884,7 +2887,7 @@
               </a14:hiddenLine>
             </a:ext>
             <a:ext uri="{FAA26D3D-D897-4be2-8F04-BA451C77F1D7}">
-              <ma14:placeholderFlag xmlns:ma14="http://schemas.microsoft.com/office/mac/drawingml/2011/main" xmlns="" val="1"/>
+              <ma14:placeholderFlag xmlns="" xmlns:ma14="http://schemas.microsoft.com/office/mac/drawingml/2011/main" val="1"/>
             </a:ext>
           </a:extLst>
         </p:spPr>
@@ -2983,7 +2986,7 @@
               <a:pPr>
                 <a:defRPr/>
               </a:pPr>
-              <a:t>11/11/21</a:t>
+              <a:t>11/15/21</a:t>
             </a:fld>
             <a:endParaRPr lang="en-US" dirty="0"/>
           </a:p>
@@ -4129,6 +4132,284 @@
 </p:sld>
 </file>
 
+<file path=ppt/slides/slide6.xml><?xml version="1.0" encoding="utf-8"?>
+<p:sld xmlns:a="http://schemas.openxmlformats.org/drawingml/2006/main" xmlns:r="http://schemas.openxmlformats.org/officeDocument/2006/relationships" xmlns:p="http://schemas.openxmlformats.org/presentationml/2006/main">
+  <p:cSld>
+    <p:spTree>
+      <p:nvGrpSpPr>
+        <p:cNvPr id="1" name=""/>
+        <p:cNvGrpSpPr/>
+        <p:nvPr/>
+      </p:nvGrpSpPr>
+      <p:grpSpPr>
+        <a:xfrm>
+          <a:off x="0" y="0"/>
+          <a:ext cx="0" cy="0"/>
+          <a:chOff x="0" y="0"/>
+          <a:chExt cx="0" cy="0"/>
+        </a:xfrm>
+      </p:grpSpPr>
+      <p:sp>
+        <p:nvSpPr>
+          <p:cNvPr id="2" name="Title 1">
+            <a:extLst>
+              <a:ext uri="{FF2B5EF4-FFF2-40B4-BE49-F238E27FC236}">
+                <a16:creationId xmlns:a16="http://schemas.microsoft.com/office/drawing/2014/main" id="{79C9C908-B441-C042-B1DC-FAE47D63AE80}"/>
+              </a:ext>
+            </a:extLst>
+          </p:cNvPr>
+          <p:cNvSpPr>
+            <a:spLocks noGrp="1"/>
+          </p:cNvSpPr>
+          <p:nvPr>
+            <p:ph type="title"/>
+          </p:nvPr>
+        </p:nvSpPr>
+        <p:spPr/>
+        <p:txBody>
+          <a:bodyPr/>
+          <a:lstStyle/>
+          <a:p>
+            <a:endParaRPr lang="en-US"/>
+          </a:p>
+        </p:txBody>
+      </p:sp>
+      <p:sp>
+        <p:nvSpPr>
+          <p:cNvPr id="3" name="Content Placeholder 2">
+            <a:extLst>
+              <a:ext uri="{FF2B5EF4-FFF2-40B4-BE49-F238E27FC236}">
+                <a16:creationId xmlns:a16="http://schemas.microsoft.com/office/drawing/2014/main" id="{3A6B5EDB-1E2B-C14E-BB60-26F47B09306C}"/>
+              </a:ext>
+            </a:extLst>
+          </p:cNvPr>
+          <p:cNvSpPr>
+            <a:spLocks noGrp="1"/>
+          </p:cNvSpPr>
+          <p:nvPr>
+            <p:ph sz="half" idx="1"/>
+          </p:nvPr>
+        </p:nvSpPr>
+        <p:spPr/>
+        <p:txBody>
+          <a:bodyPr/>
+          <a:lstStyle/>
+          <a:p>
+            <a:endParaRPr lang="en-US"/>
+          </a:p>
+        </p:txBody>
+      </p:sp>
+      <p:sp>
+        <p:nvSpPr>
+          <p:cNvPr id="4" name="Content Placeholder 3">
+            <a:extLst>
+              <a:ext uri="{FF2B5EF4-FFF2-40B4-BE49-F238E27FC236}">
+                <a16:creationId xmlns:a16="http://schemas.microsoft.com/office/drawing/2014/main" id="{2E374CF8-829D-8646-AA82-DB6399FB7609}"/>
+              </a:ext>
+            </a:extLst>
+          </p:cNvPr>
+          <p:cNvSpPr>
+            <a:spLocks noGrp="1"/>
+          </p:cNvSpPr>
+          <p:nvPr>
+            <p:ph sz="half" idx="2"/>
+          </p:nvPr>
+        </p:nvSpPr>
+        <p:spPr/>
+        <p:txBody>
+          <a:bodyPr/>
+          <a:lstStyle/>
+          <a:p>
+            <a:endParaRPr lang="en-US"/>
+          </a:p>
+        </p:txBody>
+      </p:sp>
+    </p:spTree>
+    <p:extLst>
+      <p:ext uri="{BB962C8B-B14F-4D97-AF65-F5344CB8AC3E}">
+        <p14:creationId xmlns:p14="http://schemas.microsoft.com/office/powerpoint/2010/main" val="1263671707"/>
+      </p:ext>
+    </p:extLst>
+  </p:cSld>
+  <p:clrMapOvr>
+    <a:masterClrMapping/>
+  </p:clrMapOvr>
+</p:sld>
+</file>
+
+<file path=ppt/slides/slide7.xml><?xml version="1.0" encoding="utf-8"?>
+<p:sld xmlns:a="http://schemas.openxmlformats.org/drawingml/2006/main" xmlns:r="http://schemas.openxmlformats.org/officeDocument/2006/relationships" xmlns:p="http://schemas.openxmlformats.org/presentationml/2006/main">
+  <p:cSld>
+    <p:spTree>
+      <p:nvGrpSpPr>
+        <p:cNvPr id="1" name=""/>
+        <p:cNvGrpSpPr/>
+        <p:nvPr/>
+      </p:nvGrpSpPr>
+      <p:grpSpPr>
+        <a:xfrm>
+          <a:off x="0" y="0"/>
+          <a:ext cx="0" cy="0"/>
+          <a:chOff x="0" y="0"/>
+          <a:chExt cx="0" cy="0"/>
+        </a:xfrm>
+      </p:grpSpPr>
+      <p:sp>
+        <p:nvSpPr>
+          <p:cNvPr id="2" name="Title 1">
+            <a:extLst>
+              <a:ext uri="{FF2B5EF4-FFF2-40B4-BE49-F238E27FC236}">
+                <a16:creationId xmlns:a16="http://schemas.microsoft.com/office/drawing/2014/main" id="{297947CF-EAEA-5F40-93E5-30922295C42A}"/>
+              </a:ext>
+            </a:extLst>
+          </p:cNvPr>
+          <p:cNvSpPr>
+            <a:spLocks noGrp="1"/>
+          </p:cNvSpPr>
+          <p:nvPr>
+            <p:ph type="title"/>
+          </p:nvPr>
+        </p:nvSpPr>
+        <p:spPr/>
+        <p:txBody>
+          <a:bodyPr/>
+          <a:lstStyle/>
+          <a:p>
+            <a:r>
+              <a:rPr lang="en-US" dirty="0"/>
+              <a:t>ODS Steels</a:t>
+            </a:r>
+          </a:p>
+        </p:txBody>
+      </p:sp>
+    </p:spTree>
+    <p:extLst>
+      <p:ext uri="{BB962C8B-B14F-4D97-AF65-F5344CB8AC3E}">
+        <p14:creationId xmlns:p14="http://schemas.microsoft.com/office/powerpoint/2010/main" val="492761036"/>
+      </p:ext>
+    </p:extLst>
+  </p:cSld>
+  <p:clrMapOvr>
+    <a:masterClrMapping/>
+  </p:clrMapOvr>
+</p:sld>
+</file>
+
+<file path=ppt/slides/slide8.xml><?xml version="1.0" encoding="utf-8"?>
+<p:sld xmlns:a="http://schemas.openxmlformats.org/drawingml/2006/main" xmlns:r="http://schemas.openxmlformats.org/officeDocument/2006/relationships" xmlns:p="http://schemas.openxmlformats.org/presentationml/2006/main">
+  <p:cSld>
+    <p:spTree>
+      <p:nvGrpSpPr>
+        <p:cNvPr id="1" name=""/>
+        <p:cNvGrpSpPr/>
+        <p:nvPr/>
+      </p:nvGrpSpPr>
+      <p:grpSpPr>
+        <a:xfrm>
+          <a:off x="0" y="0"/>
+          <a:ext cx="0" cy="0"/>
+          <a:chOff x="0" y="0"/>
+          <a:chExt cx="0" cy="0"/>
+        </a:xfrm>
+      </p:grpSpPr>
+      <p:sp>
+        <p:nvSpPr>
+          <p:cNvPr id="2" name="Title 1">
+            <a:extLst>
+              <a:ext uri="{FF2B5EF4-FFF2-40B4-BE49-F238E27FC236}">
+                <a16:creationId xmlns:a16="http://schemas.microsoft.com/office/drawing/2014/main" id="{E2B2EFF1-D86A-9043-9DBF-CC557BE28211}"/>
+              </a:ext>
+            </a:extLst>
+          </p:cNvPr>
+          <p:cNvSpPr>
+            <a:spLocks noGrp="1"/>
+          </p:cNvSpPr>
+          <p:nvPr>
+            <p:ph type="title"/>
+          </p:nvPr>
+        </p:nvSpPr>
+        <p:spPr/>
+        <p:txBody>
+          <a:bodyPr/>
+          <a:lstStyle/>
+          <a:p>
+            <a:r>
+              <a:rPr lang="en-US" dirty="0"/>
+              <a:t>Oxide Dispersion Strengthened</a:t>
+            </a:r>
+          </a:p>
+        </p:txBody>
+      </p:sp>
+      <p:sp>
+        <p:nvSpPr>
+          <p:cNvPr id="3" name="Content Placeholder 2">
+            <a:extLst>
+              <a:ext uri="{FF2B5EF4-FFF2-40B4-BE49-F238E27FC236}">
+                <a16:creationId xmlns:a16="http://schemas.microsoft.com/office/drawing/2014/main" id="{BEDF9206-A5F1-E340-BC97-968E031DD65B}"/>
+              </a:ext>
+            </a:extLst>
+          </p:cNvPr>
+          <p:cNvSpPr>
+            <a:spLocks noGrp="1"/>
+          </p:cNvSpPr>
+          <p:nvPr>
+            <p:ph sz="half" idx="1"/>
+          </p:nvPr>
+        </p:nvSpPr>
+        <p:spPr/>
+        <p:txBody>
+          <a:bodyPr/>
+          <a:lstStyle/>
+          <a:p>
+            <a:endParaRPr lang="en-US"/>
+          </a:p>
+        </p:txBody>
+      </p:sp>
+      <p:pic>
+        <p:nvPicPr>
+          <p:cNvPr id="5" name="Content Placeholder 4">
+            <a:extLst>
+              <a:ext uri="{FF2B5EF4-FFF2-40B4-BE49-F238E27FC236}">
+                <a16:creationId xmlns:a16="http://schemas.microsoft.com/office/drawing/2014/main" id="{7B849E46-8EA4-A344-818B-2212F7BFF9D9}"/>
+              </a:ext>
+            </a:extLst>
+          </p:cNvPr>
+          <p:cNvPicPr>
+            <a:picLocks noGrp="1" noChangeAspect="1"/>
+          </p:cNvPicPr>
+          <p:nvPr>
+            <p:ph sz="half" idx="2"/>
+          </p:nvPr>
+        </p:nvPicPr>
+        <p:blipFill>
+          <a:blip r:embed="rId2"/>
+          <a:stretch>
+            <a:fillRect/>
+          </a:stretch>
+        </p:blipFill>
+        <p:spPr>
+          <a:xfrm>
+            <a:off x="6788150" y="2986881"/>
+            <a:ext cx="4203700" cy="2120900"/>
+          </a:xfrm>
+          <a:prstGeom prst="rect">
+            <a:avLst/>
+          </a:prstGeom>
+        </p:spPr>
+      </p:pic>
+    </p:spTree>
+    <p:extLst>
+      <p:ext uri="{BB962C8B-B14F-4D97-AF65-F5344CB8AC3E}">
+        <p14:creationId xmlns:p14="http://schemas.microsoft.com/office/powerpoint/2010/main" val="684216076"/>
+      </p:ext>
+    </p:extLst>
+  </p:cSld>
+  <p:clrMapOvr>
+    <a:masterClrMapping/>
+  </p:clrMapOvr>
+</p:sld>
+</file>
+
 <file path=ppt/theme/theme1.xml><?xml version="1.0" encoding="utf-8"?>
 <a:theme xmlns:a="http://schemas.openxmlformats.org/drawingml/2006/main" name="1_NCStateU-horizontal-left-logo">
   <a:themeElements>

--- a/Advanced Reactor Materials/Lec21_AdvancedCladding.pptx
+++ b/Advanced Reactor Materials/Lec21_AdvancedCladding.pptx
@@ -4,15 +4,28 @@
   <p:sldMasterIdLst>
     <p:sldMasterId id="2147483660" r:id="rId1"/>
   </p:sldMasterIdLst>
+  <p:notesMasterIdLst>
+    <p:notesMasterId r:id="rId20"/>
+  </p:notesMasterIdLst>
   <p:sldIdLst>
     <p:sldId id="257" r:id="rId2"/>
     <p:sldId id="510" r:id="rId3"/>
     <p:sldId id="407" r:id="rId4"/>
     <p:sldId id="509" r:id="rId5"/>
-    <p:sldId id="500" r:id="rId6"/>
-    <p:sldId id="511" r:id="rId7"/>
-    <p:sldId id="512" r:id="rId8"/>
-    <p:sldId id="513" r:id="rId9"/>
+    <p:sldId id="514" r:id="rId6"/>
+    <p:sldId id="515" r:id="rId7"/>
+    <p:sldId id="500" r:id="rId8"/>
+    <p:sldId id="511" r:id="rId9"/>
+    <p:sldId id="516" r:id="rId10"/>
+    <p:sldId id="512" r:id="rId11"/>
+    <p:sldId id="513" r:id="rId12"/>
+    <p:sldId id="517" r:id="rId13"/>
+    <p:sldId id="518" r:id="rId14"/>
+    <p:sldId id="519" r:id="rId15"/>
+    <p:sldId id="520" r:id="rId16"/>
+    <p:sldId id="521" r:id="rId17"/>
+    <p:sldId id="522" r:id="rId18"/>
+    <p:sldId id="523" r:id="rId19"/>
   </p:sldIdLst>
   <p:sldSz cx="12192000" cy="6858000"/>
   <p:notesSz cx="6858000" cy="9144000"/>
@@ -119,6 +132,355 @@
 </p:presentation>
 </file>
 
+<file path=ppt/notesMasters/notesMaster1.xml><?xml version="1.0" encoding="utf-8"?>
+<p:notesMaster xmlns:a="http://schemas.openxmlformats.org/drawingml/2006/main" xmlns:r="http://schemas.openxmlformats.org/officeDocument/2006/relationships" xmlns:p="http://schemas.openxmlformats.org/presentationml/2006/main">
+  <p:cSld>
+    <p:bg>
+      <p:bgRef idx="1001">
+        <a:schemeClr val="bg1"/>
+      </p:bgRef>
+    </p:bg>
+    <p:spTree>
+      <p:nvGrpSpPr>
+        <p:cNvPr id="1" name=""/>
+        <p:cNvGrpSpPr/>
+        <p:nvPr/>
+      </p:nvGrpSpPr>
+      <p:grpSpPr>
+        <a:xfrm>
+          <a:off x="0" y="0"/>
+          <a:ext cx="0" cy="0"/>
+          <a:chOff x="0" y="0"/>
+          <a:chExt cx="0" cy="0"/>
+        </a:xfrm>
+      </p:grpSpPr>
+      <p:sp>
+        <p:nvSpPr>
+          <p:cNvPr id="2" name="Header Placeholder 1"/>
+          <p:cNvSpPr>
+            <a:spLocks noGrp="1"/>
+          </p:cNvSpPr>
+          <p:nvPr>
+            <p:ph type="hdr" sz="quarter"/>
+          </p:nvPr>
+        </p:nvSpPr>
+        <p:spPr>
+          <a:xfrm>
+            <a:off x="0" y="0"/>
+            <a:ext cx="2971800" cy="458788"/>
+          </a:xfrm>
+          <a:prstGeom prst="rect">
+            <a:avLst/>
+          </a:prstGeom>
+        </p:spPr>
+        <p:txBody>
+          <a:bodyPr vert="horz" lIns="91440" tIns="45720" rIns="91440" bIns="45720" rtlCol="0"/>
+          <a:lstStyle>
+            <a:lvl1pPr algn="l">
+              <a:defRPr sz="1200"/>
+            </a:lvl1pPr>
+          </a:lstStyle>
+          <a:p>
+            <a:endParaRPr lang="en-US"/>
+          </a:p>
+        </p:txBody>
+      </p:sp>
+      <p:sp>
+        <p:nvSpPr>
+          <p:cNvPr id="3" name="Date Placeholder 2"/>
+          <p:cNvSpPr>
+            <a:spLocks noGrp="1"/>
+          </p:cNvSpPr>
+          <p:nvPr>
+            <p:ph type="dt" idx="1"/>
+          </p:nvPr>
+        </p:nvSpPr>
+        <p:spPr>
+          <a:xfrm>
+            <a:off x="3884613" y="0"/>
+            <a:ext cx="2971800" cy="458788"/>
+          </a:xfrm>
+          <a:prstGeom prst="rect">
+            <a:avLst/>
+          </a:prstGeom>
+        </p:spPr>
+        <p:txBody>
+          <a:bodyPr vert="horz" lIns="91440" tIns="45720" rIns="91440" bIns="45720" rtlCol="0"/>
+          <a:lstStyle>
+            <a:lvl1pPr algn="r">
+              <a:defRPr sz="1200"/>
+            </a:lvl1pPr>
+          </a:lstStyle>
+          <a:p>
+            <a:fld id="{EAEA7AB5-A096-4041-939A-1D17EC86292D}" type="datetimeFigureOut">
+              <a:rPr lang="en-US" smtClean="0"/>
+              <a:t>11/15/21</a:t>
+            </a:fld>
+            <a:endParaRPr lang="en-US"/>
+          </a:p>
+        </p:txBody>
+      </p:sp>
+      <p:sp>
+        <p:nvSpPr>
+          <p:cNvPr id="4" name="Slide Image Placeholder 3"/>
+          <p:cNvSpPr>
+            <a:spLocks noGrp="1" noRot="1" noChangeAspect="1"/>
+          </p:cNvSpPr>
+          <p:nvPr>
+            <p:ph type="sldImg" idx="2"/>
+          </p:nvPr>
+        </p:nvSpPr>
+        <p:spPr>
+          <a:xfrm>
+            <a:off x="685800" y="1143000"/>
+            <a:ext cx="5486400" cy="3086100"/>
+          </a:xfrm>
+          <a:prstGeom prst="rect">
+            <a:avLst/>
+          </a:prstGeom>
+          <a:noFill/>
+          <a:ln w="12700">
+            <a:solidFill>
+              <a:prstClr val="black"/>
+            </a:solidFill>
+          </a:ln>
+        </p:spPr>
+        <p:txBody>
+          <a:bodyPr vert="horz" lIns="91440" tIns="45720" rIns="91440" bIns="45720" rtlCol="0" anchor="ctr"/>
+          <a:lstStyle/>
+          <a:p>
+            <a:endParaRPr lang="en-US"/>
+          </a:p>
+        </p:txBody>
+      </p:sp>
+      <p:sp>
+        <p:nvSpPr>
+          <p:cNvPr id="5" name="Notes Placeholder 4"/>
+          <p:cNvSpPr>
+            <a:spLocks noGrp="1"/>
+          </p:cNvSpPr>
+          <p:nvPr>
+            <p:ph type="body" sz="quarter" idx="3"/>
+          </p:nvPr>
+        </p:nvSpPr>
+        <p:spPr>
+          <a:xfrm>
+            <a:off x="685800" y="4400550"/>
+            <a:ext cx="5486400" cy="3600450"/>
+          </a:xfrm>
+          <a:prstGeom prst="rect">
+            <a:avLst/>
+          </a:prstGeom>
+        </p:spPr>
+        <p:txBody>
+          <a:bodyPr vert="horz" lIns="91440" tIns="45720" rIns="91440" bIns="45720" rtlCol="0"/>
+          <a:lstStyle/>
+          <a:p>
+            <a:pPr lvl="0"/>
+            <a:r>
+              <a:rPr lang="en-US"/>
+              <a:t>Click to edit Master text styles</a:t>
+            </a:r>
+          </a:p>
+          <a:p>
+            <a:pPr lvl="1"/>
+            <a:r>
+              <a:rPr lang="en-US"/>
+              <a:t>Second level</a:t>
+            </a:r>
+          </a:p>
+          <a:p>
+            <a:pPr lvl="2"/>
+            <a:r>
+              <a:rPr lang="en-US"/>
+              <a:t>Third level</a:t>
+            </a:r>
+          </a:p>
+          <a:p>
+            <a:pPr lvl="3"/>
+            <a:r>
+              <a:rPr lang="en-US"/>
+              <a:t>Fourth level</a:t>
+            </a:r>
+          </a:p>
+          <a:p>
+            <a:pPr lvl="4"/>
+            <a:r>
+              <a:rPr lang="en-US"/>
+              <a:t>Fifth level</a:t>
+            </a:r>
+          </a:p>
+        </p:txBody>
+      </p:sp>
+      <p:sp>
+        <p:nvSpPr>
+          <p:cNvPr id="6" name="Footer Placeholder 5"/>
+          <p:cNvSpPr>
+            <a:spLocks noGrp="1"/>
+          </p:cNvSpPr>
+          <p:nvPr>
+            <p:ph type="ftr" sz="quarter" idx="4"/>
+          </p:nvPr>
+        </p:nvSpPr>
+        <p:spPr>
+          <a:xfrm>
+            <a:off x="0" y="8685213"/>
+            <a:ext cx="2971800" cy="458787"/>
+          </a:xfrm>
+          <a:prstGeom prst="rect">
+            <a:avLst/>
+          </a:prstGeom>
+        </p:spPr>
+        <p:txBody>
+          <a:bodyPr vert="horz" lIns="91440" tIns="45720" rIns="91440" bIns="45720" rtlCol="0" anchor="b"/>
+          <a:lstStyle>
+            <a:lvl1pPr algn="l">
+              <a:defRPr sz="1200"/>
+            </a:lvl1pPr>
+          </a:lstStyle>
+          <a:p>
+            <a:endParaRPr lang="en-US"/>
+          </a:p>
+        </p:txBody>
+      </p:sp>
+      <p:sp>
+        <p:nvSpPr>
+          <p:cNvPr id="7" name="Slide Number Placeholder 6"/>
+          <p:cNvSpPr>
+            <a:spLocks noGrp="1"/>
+          </p:cNvSpPr>
+          <p:nvPr>
+            <p:ph type="sldNum" sz="quarter" idx="5"/>
+          </p:nvPr>
+        </p:nvSpPr>
+        <p:spPr>
+          <a:xfrm>
+            <a:off x="3884613" y="8685213"/>
+            <a:ext cx="2971800" cy="458787"/>
+          </a:xfrm>
+          <a:prstGeom prst="rect">
+            <a:avLst/>
+          </a:prstGeom>
+        </p:spPr>
+        <p:txBody>
+          <a:bodyPr vert="horz" lIns="91440" tIns="45720" rIns="91440" bIns="45720" rtlCol="0" anchor="b"/>
+          <a:lstStyle>
+            <a:lvl1pPr algn="r">
+              <a:defRPr sz="1200"/>
+            </a:lvl1pPr>
+          </a:lstStyle>
+          <a:p>
+            <a:fld id="{3DFF51EB-4615-374C-8EA3-C922CD2CA243}" type="slidenum">
+              <a:rPr lang="en-US" smtClean="0"/>
+              <a:t>‹#›</a:t>
+            </a:fld>
+            <a:endParaRPr lang="en-US"/>
+          </a:p>
+        </p:txBody>
+      </p:sp>
+    </p:spTree>
+    <p:extLst>
+      <p:ext uri="{BB962C8B-B14F-4D97-AF65-F5344CB8AC3E}">
+        <p14:creationId xmlns:p14="http://schemas.microsoft.com/office/powerpoint/2010/main" val="893569691"/>
+      </p:ext>
+    </p:extLst>
+  </p:cSld>
+  <p:clrMap bg1="lt1" tx1="dk1" bg2="lt2" tx2="dk2" accent1="accent1" accent2="accent2" accent3="accent3" accent4="accent4" accent5="accent5" accent6="accent6" hlink="hlink" folHlink="folHlink"/>
+  <p:notesStyle>
+    <a:lvl1pPr marL="0" algn="l" defTabSz="914400" rtl="0" eaLnBrk="1" latinLnBrk="0" hangingPunct="1">
+      <a:defRPr sz="1200" kern="1200">
+        <a:solidFill>
+          <a:schemeClr val="tx1"/>
+        </a:solidFill>
+        <a:latin typeface="+mn-lt"/>
+        <a:ea typeface="+mn-ea"/>
+        <a:cs typeface="+mn-cs"/>
+      </a:defRPr>
+    </a:lvl1pPr>
+    <a:lvl2pPr marL="457200" algn="l" defTabSz="914400" rtl="0" eaLnBrk="1" latinLnBrk="0" hangingPunct="1">
+      <a:defRPr sz="1200" kern="1200">
+        <a:solidFill>
+          <a:schemeClr val="tx1"/>
+        </a:solidFill>
+        <a:latin typeface="+mn-lt"/>
+        <a:ea typeface="+mn-ea"/>
+        <a:cs typeface="+mn-cs"/>
+      </a:defRPr>
+    </a:lvl2pPr>
+    <a:lvl3pPr marL="914400" algn="l" defTabSz="914400" rtl="0" eaLnBrk="1" latinLnBrk="0" hangingPunct="1">
+      <a:defRPr sz="1200" kern="1200">
+        <a:solidFill>
+          <a:schemeClr val="tx1"/>
+        </a:solidFill>
+        <a:latin typeface="+mn-lt"/>
+        <a:ea typeface="+mn-ea"/>
+        <a:cs typeface="+mn-cs"/>
+      </a:defRPr>
+    </a:lvl3pPr>
+    <a:lvl4pPr marL="1371600" algn="l" defTabSz="914400" rtl="0" eaLnBrk="1" latinLnBrk="0" hangingPunct="1">
+      <a:defRPr sz="1200" kern="1200">
+        <a:solidFill>
+          <a:schemeClr val="tx1"/>
+        </a:solidFill>
+        <a:latin typeface="+mn-lt"/>
+        <a:ea typeface="+mn-ea"/>
+        <a:cs typeface="+mn-cs"/>
+      </a:defRPr>
+    </a:lvl4pPr>
+    <a:lvl5pPr marL="1828800" algn="l" defTabSz="914400" rtl="0" eaLnBrk="1" latinLnBrk="0" hangingPunct="1">
+      <a:defRPr sz="1200" kern="1200">
+        <a:solidFill>
+          <a:schemeClr val="tx1"/>
+        </a:solidFill>
+        <a:latin typeface="+mn-lt"/>
+        <a:ea typeface="+mn-ea"/>
+        <a:cs typeface="+mn-cs"/>
+      </a:defRPr>
+    </a:lvl5pPr>
+    <a:lvl6pPr marL="2286000" algn="l" defTabSz="914400" rtl="0" eaLnBrk="1" latinLnBrk="0" hangingPunct="1">
+      <a:defRPr sz="1200" kern="1200">
+        <a:solidFill>
+          <a:schemeClr val="tx1"/>
+        </a:solidFill>
+        <a:latin typeface="+mn-lt"/>
+        <a:ea typeface="+mn-ea"/>
+        <a:cs typeface="+mn-cs"/>
+      </a:defRPr>
+    </a:lvl6pPr>
+    <a:lvl7pPr marL="2743200" algn="l" defTabSz="914400" rtl="0" eaLnBrk="1" latinLnBrk="0" hangingPunct="1">
+      <a:defRPr sz="1200" kern="1200">
+        <a:solidFill>
+          <a:schemeClr val="tx1"/>
+        </a:solidFill>
+        <a:latin typeface="+mn-lt"/>
+        <a:ea typeface="+mn-ea"/>
+        <a:cs typeface="+mn-cs"/>
+      </a:defRPr>
+    </a:lvl7pPr>
+    <a:lvl8pPr marL="3200400" algn="l" defTabSz="914400" rtl="0" eaLnBrk="1" latinLnBrk="0" hangingPunct="1">
+      <a:defRPr sz="1200" kern="1200">
+        <a:solidFill>
+          <a:schemeClr val="tx1"/>
+        </a:solidFill>
+        <a:latin typeface="+mn-lt"/>
+        <a:ea typeface="+mn-ea"/>
+        <a:cs typeface="+mn-cs"/>
+      </a:defRPr>
+    </a:lvl8pPr>
+    <a:lvl9pPr marL="3657600" algn="l" defTabSz="914400" rtl="0" eaLnBrk="1" latinLnBrk="0" hangingPunct="1">
+      <a:defRPr sz="1200" kern="1200">
+        <a:solidFill>
+          <a:schemeClr val="tx1"/>
+        </a:solidFill>
+        <a:latin typeface="+mn-lt"/>
+        <a:ea typeface="+mn-ea"/>
+        <a:cs typeface="+mn-cs"/>
+      </a:defRPr>
+    </a:lvl9pPr>
+  </p:notesStyle>
+</p:notesMaster>
+</file>
+
 <file path=ppt/slideLayouts/slideLayout1.xml><?xml version="1.0" encoding="utf-8"?>
 <p:sldLayout xmlns:a="http://schemas.openxmlformats.org/drawingml/2006/main" xmlns:r="http://schemas.openxmlformats.org/officeDocument/2006/relationships" xmlns:p="http://schemas.openxmlformats.org/presentationml/2006/main" type="title" preserve="1">
   <p:cSld name="Title Slide">
@@ -305,11 +667,8 @@
             <a:pPr>
               <a:defRPr/>
             </a:pPr>
-            <a:fld id="{D480A359-2FB3-4847-9D97-3491754AA7F9}" type="datetimeFigureOut">
-              <a:rPr lang="en-US"/>
-              <a:pPr>
-                <a:defRPr/>
-              </a:pPr>
+            <a:fld id="{D05239B1-42B7-1F40-AC76-5BDAE599CE1C}" type="datetime1">
+              <a:rPr lang="en-US" smtClean="0"/>
               <a:t>11/15/21</a:t>
             </a:fld>
             <a:endParaRPr lang="en-US"/>
@@ -501,11 +860,8 @@
             <a:pPr>
               <a:defRPr/>
             </a:pPr>
-            <a:fld id="{73BC5DAC-1A13-D34F-9418-D6257772B49C}" type="datetimeFigureOut">
-              <a:rPr lang="en-US"/>
-              <a:pPr>
-                <a:defRPr/>
-              </a:pPr>
+            <a:fld id="{F60BC5A3-9707-9E4D-9277-15C38BC8C826}" type="datetime1">
+              <a:rPr lang="en-US" smtClean="0"/>
               <a:t>11/15/21</a:t>
             </a:fld>
             <a:endParaRPr lang="en-US"/>
@@ -706,11 +1062,8 @@
             <a:pPr>
               <a:defRPr/>
             </a:pPr>
-            <a:fld id="{B4EC0D93-568E-6D41-8E6D-0963A71A503C}" type="datetimeFigureOut">
-              <a:rPr lang="en-US"/>
-              <a:pPr>
-                <a:defRPr/>
-              </a:pPr>
+            <a:fld id="{A02E84E5-623C-7247-8C9B-1E0F8ADA2764}" type="datetime1">
+              <a:rPr lang="en-US" smtClean="0"/>
               <a:t>11/15/21</a:t>
             </a:fld>
             <a:endParaRPr lang="en-US"/>
@@ -908,11 +1261,8 @@
             <a:pPr>
               <a:defRPr/>
             </a:pPr>
-            <a:fld id="{D128603A-2399-D64A-8203-C8F297F981E8}" type="datetimeFigureOut">
-              <a:rPr lang="en-US"/>
-              <a:pPr>
-                <a:defRPr/>
-              </a:pPr>
+            <a:fld id="{535DD01C-C1F4-D047-A649-1F1ACE95D3C5}" type="datetime1">
+              <a:rPr lang="en-US" smtClean="0"/>
               <a:t>11/15/21</a:t>
             </a:fld>
             <a:endParaRPr lang="en-US"/>
@@ -1181,11 +1531,8 @@
             <a:pPr>
               <a:defRPr/>
             </a:pPr>
-            <a:fld id="{5CF71F39-3D09-F149-B1A1-DC2A7DB4A435}" type="datetimeFigureOut">
-              <a:rPr lang="en-US"/>
-              <a:pPr>
-                <a:defRPr/>
-              </a:pPr>
+            <a:fld id="{A04A0DB7-9CD6-B442-9C2E-9FAFE013EA49}" type="datetime1">
+              <a:rPr lang="en-US" smtClean="0"/>
               <a:t>11/15/21</a:t>
             </a:fld>
             <a:endParaRPr lang="en-US"/>
@@ -1495,11 +1842,8 @@
             <a:pPr>
               <a:defRPr/>
             </a:pPr>
-            <a:fld id="{17E7E973-E761-9943-801C-DE1E51E28431}" type="datetimeFigureOut">
-              <a:rPr lang="en-US"/>
-              <a:pPr>
-                <a:defRPr/>
-              </a:pPr>
+            <a:fld id="{6047EE5E-561E-314E-83DB-07A5C70EF1CC}" type="datetime1">
+              <a:rPr lang="en-US" smtClean="0"/>
               <a:t>11/15/21</a:t>
             </a:fld>
             <a:endParaRPr lang="en-US"/>
@@ -1818,11 +2162,8 @@
             <a:pPr>
               <a:defRPr/>
             </a:pPr>
-            <a:fld id="{18ACE534-2B3A-FA4B-B87A-8AC244117610}" type="datetimeFigureOut">
-              <a:rPr lang="en-US"/>
-              <a:pPr>
-                <a:defRPr/>
-              </a:pPr>
+            <a:fld id="{E6800824-EE1D-0B40-85E7-A819C1407096}" type="datetime1">
+              <a:rPr lang="en-US" smtClean="0"/>
               <a:t>11/15/21</a:t>
             </a:fld>
             <a:endParaRPr lang="en-US"/>
@@ -1962,11 +2303,8 @@
             <a:pPr>
               <a:defRPr/>
             </a:pPr>
-            <a:fld id="{22CDFFB5-C0BC-DE4D-9A38-E0EE75FC9E15}" type="datetimeFigureOut">
-              <a:rPr lang="en-US"/>
-              <a:pPr>
-                <a:defRPr/>
-              </a:pPr>
+            <a:fld id="{51034E9E-5AF7-374B-9B3C-21F9FCE1DB5E}" type="datetime1">
+              <a:rPr lang="en-US" smtClean="0"/>
               <a:t>11/15/21</a:t>
             </a:fld>
             <a:endParaRPr lang="en-US"/>
@@ -2084,11 +2422,8 @@
             <a:pPr>
               <a:defRPr/>
             </a:pPr>
-            <a:fld id="{EF42570F-F7E3-1F40-B6F3-59FE945D5A70}" type="datetimeFigureOut">
-              <a:rPr lang="en-US"/>
-              <a:pPr>
-                <a:defRPr/>
-              </a:pPr>
+            <a:fld id="{999D3258-A568-8544-B1C9-B3E8E9E3CFA7}" type="datetime1">
+              <a:rPr lang="en-US" smtClean="0"/>
               <a:t>11/15/21</a:t>
             </a:fld>
             <a:endParaRPr lang="en-US"/>
@@ -2386,11 +2721,8 @@
             <a:pPr>
               <a:defRPr/>
             </a:pPr>
-            <a:fld id="{6371E9B0-C3DF-544F-BB14-A487ECCC7F43}" type="datetimeFigureOut">
-              <a:rPr lang="en-US"/>
-              <a:pPr>
-                <a:defRPr/>
-              </a:pPr>
+            <a:fld id="{50E98A73-1756-AB47-A90C-29BEE9EE22EB}" type="datetime1">
+              <a:rPr lang="en-US" smtClean="0"/>
               <a:t>11/15/21</a:t>
             </a:fld>
             <a:endParaRPr lang="en-US"/>
@@ -2673,11 +3005,8 @@
             <a:pPr>
               <a:defRPr/>
             </a:pPr>
-            <a:fld id="{E5C4B1CF-5E0C-5D41-A3E2-D78942339385}" type="datetimeFigureOut">
-              <a:rPr lang="en-US"/>
-              <a:pPr>
-                <a:defRPr/>
-              </a:pPr>
+            <a:fld id="{9B37676D-BE04-454A-96DD-ABD812CEE4C2}" type="datetime1">
+              <a:rPr lang="en-US" smtClean="0"/>
               <a:t>11/15/21</a:t>
             </a:fld>
             <a:endParaRPr lang="en-US"/>
@@ -2802,14 +3131,14 @@
           </a:ln>
           <a:extLst>
             <a:ext uri="{909E8E84-426E-40dd-AFC4-6F175D3DCCD1}">
-              <a14:hiddenFill xmlns="" xmlns:a14="http://schemas.microsoft.com/office/drawing/2010/main">
+              <a14:hiddenFill xmlns:a14="http://schemas.microsoft.com/office/drawing/2010/main" xmlns="">
                 <a:solidFill>
                   <a:srgbClr val="FFFFFF"/>
                 </a:solidFill>
               </a14:hiddenFill>
             </a:ext>
             <a:ext uri="{91240B29-F687-4f45-9708-019B960494DF}">
-              <a14:hiddenLine xmlns="" xmlns:a14="http://schemas.microsoft.com/office/drawing/2010/main" w="9525">
+              <a14:hiddenLine xmlns:a14="http://schemas.microsoft.com/office/drawing/2010/main" xmlns="" w="9525">
                 <a:solidFill>
                   <a:srgbClr val="000000"/>
                 </a:solidFill>
@@ -2819,7 +3148,7 @@
               </a14:hiddenLine>
             </a:ext>
             <a:ext uri="{FAA26D3D-D897-4be2-8F04-BA451C77F1D7}">
-              <ma14:placeholderFlag xmlns="" xmlns:ma14="http://schemas.microsoft.com/office/mac/drawingml/2011/main" val="1"/>
+              <ma14:placeholderFlag xmlns:ma14="http://schemas.microsoft.com/office/mac/drawingml/2011/main" xmlns="" val="1"/>
             </a:ext>
           </a:extLst>
         </p:spPr>
@@ -2870,14 +3199,14 @@
           </a:ln>
           <a:extLst>
             <a:ext uri="{909E8E84-426E-40dd-AFC4-6F175D3DCCD1}">
-              <a14:hiddenFill xmlns="" xmlns:a14="http://schemas.microsoft.com/office/drawing/2010/main">
+              <a14:hiddenFill xmlns:a14="http://schemas.microsoft.com/office/drawing/2010/main" xmlns="">
                 <a:solidFill>
                   <a:srgbClr val="FFFFFF"/>
                 </a:solidFill>
               </a14:hiddenFill>
             </a:ext>
             <a:ext uri="{91240B29-F687-4f45-9708-019B960494DF}">
-              <a14:hiddenLine xmlns="" xmlns:a14="http://schemas.microsoft.com/office/drawing/2010/main" w="9525">
+              <a14:hiddenLine xmlns:a14="http://schemas.microsoft.com/office/drawing/2010/main" xmlns="" w="9525">
                 <a:solidFill>
                   <a:srgbClr val="000000"/>
                 </a:solidFill>
@@ -2887,7 +3216,7 @@
               </a14:hiddenLine>
             </a:ext>
             <a:ext uri="{FAA26D3D-D897-4be2-8F04-BA451C77F1D7}">
-              <ma14:placeholderFlag xmlns="" xmlns:ma14="http://schemas.microsoft.com/office/mac/drawingml/2011/main" val="1"/>
+              <ma14:placeholderFlag xmlns:ma14="http://schemas.microsoft.com/office/mac/drawingml/2011/main" xmlns="" val="1"/>
             </a:ext>
           </a:extLst>
         </p:spPr>
@@ -2981,11 +3310,8 @@
             <a:pPr>
               <a:defRPr/>
             </a:pPr>
-            <a:fld id="{C944504B-B211-B34D-97AF-78446C71FCDD}" type="datetimeFigureOut">
+            <a:fld id="{758EFB82-FC96-CD4F-B493-270395F914CC}" type="datetime1">
               <a:rPr lang="en-US" smtClean="0"/>
-              <a:pPr>
-                <a:defRPr/>
-              </a:pPr>
               <a:t>11/15/21</a:t>
             </a:fld>
             <a:endParaRPr lang="en-US" dirty="0"/>
@@ -3148,6 +3474,7 @@
     <p:sldLayoutId id="2147483670" r:id="rId10"/>
     <p:sldLayoutId id="2147483671" r:id="rId11"/>
   </p:sldLayoutIdLst>
+  <p:hf hdr="0" ftr="0" dt="0"/>
   <p:txStyles>
     <p:titleStyle>
       <a:lvl1pPr algn="ctr" defTabSz="609585" rtl="0" eaLnBrk="1" fontAlgn="base" hangingPunct="1">
@@ -3617,10 +3944,1561 @@
           </a:p>
         </p:txBody>
       </p:sp>
+      <p:sp>
+        <p:nvSpPr>
+          <p:cNvPr id="4" name="Slide Number Placeholder 3">
+            <a:extLst>
+              <a:ext uri="{FF2B5EF4-FFF2-40B4-BE49-F238E27FC236}">
+                <a16:creationId xmlns:a16="http://schemas.microsoft.com/office/drawing/2014/main" id="{84C1E7D1-FF3E-DF49-9F50-FE374A54C260}"/>
+              </a:ext>
+            </a:extLst>
+          </p:cNvPr>
+          <p:cNvSpPr>
+            <a:spLocks noGrp="1"/>
+          </p:cNvSpPr>
+          <p:nvPr>
+            <p:ph type="sldNum" sz="quarter" idx="12"/>
+          </p:nvPr>
+        </p:nvSpPr>
+        <p:spPr/>
+        <p:txBody>
+          <a:bodyPr/>
+          <a:lstStyle/>
+          <a:p>
+            <a:pPr>
+              <a:defRPr/>
+            </a:pPr>
+            <a:fld id="{01E82176-A547-F94B-AC51-D6E9C882CB88}" type="slidenum">
+              <a:rPr lang="en-US" smtClean="0"/>
+              <a:pPr>
+                <a:defRPr/>
+              </a:pPr>
+              <a:t>1</a:t>
+            </a:fld>
+            <a:endParaRPr lang="en-US"/>
+          </a:p>
+        </p:txBody>
+      </p:sp>
     </p:spTree>
     <p:extLst>
       <p:ext uri="{BB962C8B-B14F-4D97-AF65-F5344CB8AC3E}">
         <p14:creationId xmlns:p14="http://schemas.microsoft.com/office/powerpoint/2010/main" val="3340782854"/>
+      </p:ext>
+    </p:extLst>
+  </p:cSld>
+  <p:clrMapOvr>
+    <a:masterClrMapping/>
+  </p:clrMapOvr>
+</p:sld>
+</file>
+
+<file path=ppt/slides/slide10.xml><?xml version="1.0" encoding="utf-8"?>
+<p:sld xmlns:a="http://schemas.openxmlformats.org/drawingml/2006/main" xmlns:r="http://schemas.openxmlformats.org/officeDocument/2006/relationships" xmlns:p="http://schemas.openxmlformats.org/presentationml/2006/main">
+  <p:cSld>
+    <p:spTree>
+      <p:nvGrpSpPr>
+        <p:cNvPr id="1" name=""/>
+        <p:cNvGrpSpPr/>
+        <p:nvPr/>
+      </p:nvGrpSpPr>
+      <p:grpSpPr>
+        <a:xfrm>
+          <a:off x="0" y="0"/>
+          <a:ext cx="0" cy="0"/>
+          <a:chOff x="0" y="0"/>
+          <a:chExt cx="0" cy="0"/>
+        </a:xfrm>
+      </p:grpSpPr>
+      <p:sp>
+        <p:nvSpPr>
+          <p:cNvPr id="2" name="Title 1">
+            <a:extLst>
+              <a:ext uri="{FF2B5EF4-FFF2-40B4-BE49-F238E27FC236}">
+                <a16:creationId xmlns:a16="http://schemas.microsoft.com/office/drawing/2014/main" id="{297947CF-EAEA-5F40-93E5-30922295C42A}"/>
+              </a:ext>
+            </a:extLst>
+          </p:cNvPr>
+          <p:cNvSpPr>
+            <a:spLocks noGrp="1"/>
+          </p:cNvSpPr>
+          <p:nvPr>
+            <p:ph type="title"/>
+          </p:nvPr>
+        </p:nvSpPr>
+        <p:spPr/>
+        <p:txBody>
+          <a:bodyPr/>
+          <a:lstStyle/>
+          <a:p>
+            <a:r>
+              <a:rPr lang="en-US" dirty="0"/>
+              <a:t>ODS Steels</a:t>
+            </a:r>
+          </a:p>
+        </p:txBody>
+      </p:sp>
+      <p:sp>
+        <p:nvSpPr>
+          <p:cNvPr id="3" name="Slide Number Placeholder 2">
+            <a:extLst>
+              <a:ext uri="{FF2B5EF4-FFF2-40B4-BE49-F238E27FC236}">
+                <a16:creationId xmlns:a16="http://schemas.microsoft.com/office/drawing/2014/main" id="{3D2E1359-2B7E-6A45-B180-EACF31264D2A}"/>
+              </a:ext>
+            </a:extLst>
+          </p:cNvPr>
+          <p:cNvSpPr>
+            <a:spLocks noGrp="1"/>
+          </p:cNvSpPr>
+          <p:nvPr>
+            <p:ph type="sldNum" sz="quarter" idx="12"/>
+          </p:nvPr>
+        </p:nvSpPr>
+        <p:spPr/>
+        <p:txBody>
+          <a:bodyPr/>
+          <a:lstStyle/>
+          <a:p>
+            <a:pPr>
+              <a:defRPr/>
+            </a:pPr>
+            <a:fld id="{0DA6BD0F-ABBC-C14D-BC96-77BE126A748B}" type="slidenum">
+              <a:rPr lang="en-US" smtClean="0"/>
+              <a:pPr>
+                <a:defRPr/>
+              </a:pPr>
+              <a:t>10</a:t>
+            </a:fld>
+            <a:endParaRPr lang="en-US"/>
+          </a:p>
+        </p:txBody>
+      </p:sp>
+    </p:spTree>
+    <p:extLst>
+      <p:ext uri="{BB962C8B-B14F-4D97-AF65-F5344CB8AC3E}">
+        <p14:creationId xmlns:p14="http://schemas.microsoft.com/office/powerpoint/2010/main" val="492761036"/>
+      </p:ext>
+    </p:extLst>
+  </p:cSld>
+  <p:clrMapOvr>
+    <a:masterClrMapping/>
+  </p:clrMapOvr>
+</p:sld>
+</file>
+
+<file path=ppt/slides/slide11.xml><?xml version="1.0" encoding="utf-8"?>
+<p:sld xmlns:a="http://schemas.openxmlformats.org/drawingml/2006/main" xmlns:r="http://schemas.openxmlformats.org/officeDocument/2006/relationships" xmlns:p="http://schemas.openxmlformats.org/presentationml/2006/main">
+  <p:cSld>
+    <p:spTree>
+      <p:nvGrpSpPr>
+        <p:cNvPr id="1" name=""/>
+        <p:cNvGrpSpPr/>
+        <p:nvPr/>
+      </p:nvGrpSpPr>
+      <p:grpSpPr>
+        <a:xfrm>
+          <a:off x="0" y="0"/>
+          <a:ext cx="0" cy="0"/>
+          <a:chOff x="0" y="0"/>
+          <a:chExt cx="0" cy="0"/>
+        </a:xfrm>
+      </p:grpSpPr>
+      <p:sp>
+        <p:nvSpPr>
+          <p:cNvPr id="2" name="Title 1">
+            <a:extLst>
+              <a:ext uri="{FF2B5EF4-FFF2-40B4-BE49-F238E27FC236}">
+                <a16:creationId xmlns:a16="http://schemas.microsoft.com/office/drawing/2014/main" id="{E2B2EFF1-D86A-9043-9DBF-CC557BE28211}"/>
+              </a:ext>
+            </a:extLst>
+          </p:cNvPr>
+          <p:cNvSpPr>
+            <a:spLocks noGrp="1"/>
+          </p:cNvSpPr>
+          <p:nvPr>
+            <p:ph type="title"/>
+          </p:nvPr>
+        </p:nvSpPr>
+        <p:spPr/>
+        <p:txBody>
+          <a:bodyPr/>
+          <a:lstStyle/>
+          <a:p>
+            <a:r>
+              <a:rPr lang="en-US" dirty="0"/>
+              <a:t>Oxide Dispersion Strengthened</a:t>
+            </a:r>
+          </a:p>
+        </p:txBody>
+      </p:sp>
+      <p:sp>
+        <p:nvSpPr>
+          <p:cNvPr id="3" name="Content Placeholder 2">
+            <a:extLst>
+              <a:ext uri="{FF2B5EF4-FFF2-40B4-BE49-F238E27FC236}">
+                <a16:creationId xmlns:a16="http://schemas.microsoft.com/office/drawing/2014/main" id="{BEDF9206-A5F1-E340-BC97-968E031DD65B}"/>
+              </a:ext>
+            </a:extLst>
+          </p:cNvPr>
+          <p:cNvSpPr>
+            <a:spLocks noGrp="1"/>
+          </p:cNvSpPr>
+          <p:nvPr>
+            <p:ph sz="half" idx="1"/>
+          </p:nvPr>
+        </p:nvSpPr>
+        <p:spPr>
+          <a:xfrm>
+            <a:off x="609599" y="1968503"/>
+            <a:ext cx="5860473" cy="4157663"/>
+          </a:xfrm>
+        </p:spPr>
+        <p:txBody>
+          <a:bodyPr/>
+          <a:lstStyle/>
+          <a:p>
+            <a:r>
+              <a:rPr lang="en-US" sz="2400" dirty="0"/>
+              <a:t>Thermally stable oxide particles dispersed in the ferritic matrix improve the radiation resistance and creep resistance at high temperature</a:t>
+            </a:r>
+          </a:p>
+          <a:p>
+            <a:r>
+              <a:rPr lang="en-US" sz="2400" dirty="0"/>
+              <a:t>ODS steels have a strong potential for high burnup (long- life) and high temperature applications typical for SFR fuels </a:t>
+            </a:r>
+          </a:p>
+          <a:p>
+            <a:r>
+              <a:rPr lang="en-US" sz="2400" dirty="0"/>
+              <a:t>Typically, Y2O3 particles or Y2Ti2O7 particles</a:t>
+            </a:r>
+          </a:p>
+          <a:p>
+            <a:endParaRPr lang="en-US" sz="2400" dirty="0"/>
+          </a:p>
+        </p:txBody>
+      </p:sp>
+      <p:pic>
+        <p:nvPicPr>
+          <p:cNvPr id="5" name="Content Placeholder 4">
+            <a:extLst>
+              <a:ext uri="{FF2B5EF4-FFF2-40B4-BE49-F238E27FC236}">
+                <a16:creationId xmlns:a16="http://schemas.microsoft.com/office/drawing/2014/main" id="{7B849E46-8EA4-A344-818B-2212F7BFF9D9}"/>
+              </a:ext>
+            </a:extLst>
+          </p:cNvPr>
+          <p:cNvPicPr>
+            <a:picLocks noGrp="1" noChangeAspect="1"/>
+          </p:cNvPicPr>
+          <p:nvPr>
+            <p:ph sz="half" idx="2"/>
+          </p:nvPr>
+        </p:nvPicPr>
+        <p:blipFill>
+          <a:blip r:embed="rId2"/>
+          <a:stretch>
+            <a:fillRect/>
+          </a:stretch>
+        </p:blipFill>
+        <p:spPr>
+          <a:xfrm>
+            <a:off x="6788150" y="2986881"/>
+            <a:ext cx="4203700" cy="2120900"/>
+          </a:xfrm>
+          <a:prstGeom prst="rect">
+            <a:avLst/>
+          </a:prstGeom>
+        </p:spPr>
+      </p:pic>
+      <p:sp>
+        <p:nvSpPr>
+          <p:cNvPr id="4" name="Rectangle 3">
+            <a:extLst>
+              <a:ext uri="{FF2B5EF4-FFF2-40B4-BE49-F238E27FC236}">
+                <a16:creationId xmlns:a16="http://schemas.microsoft.com/office/drawing/2014/main" id="{475EB184-87EF-E849-800C-0D490B6FCD7C}"/>
+              </a:ext>
+            </a:extLst>
+          </p:cNvPr>
+          <p:cNvSpPr/>
+          <p:nvPr/>
+        </p:nvSpPr>
+        <p:spPr>
+          <a:xfrm>
+            <a:off x="6788150" y="5311556"/>
+            <a:ext cx="4337050" cy="369332"/>
+          </a:xfrm>
+          <a:prstGeom prst="rect">
+            <a:avLst/>
+          </a:prstGeom>
+        </p:spPr>
+        <p:txBody>
+          <a:bodyPr wrap="square">
+            <a:spAutoFit/>
+          </a:bodyPr>
+          <a:lstStyle/>
+          <a:p>
+            <a:r>
+              <a:rPr lang="en-US" dirty="0">
+                <a:latin typeface="Helvetica" pitchFamily="2" charset="0"/>
+              </a:rPr>
+              <a:t>Y2O3 particle with surrounding matrix</a:t>
+            </a:r>
+            <a:endParaRPr lang="en-US" dirty="0">
+              <a:effectLst/>
+              <a:latin typeface="Helvetica" pitchFamily="2" charset="0"/>
+            </a:endParaRPr>
+          </a:p>
+        </p:txBody>
+      </p:sp>
+      <p:sp>
+        <p:nvSpPr>
+          <p:cNvPr id="6" name="Slide Number Placeholder 5">
+            <a:extLst>
+              <a:ext uri="{FF2B5EF4-FFF2-40B4-BE49-F238E27FC236}">
+                <a16:creationId xmlns:a16="http://schemas.microsoft.com/office/drawing/2014/main" id="{538BC54A-98A1-F14E-AFCE-680361CB68E8}"/>
+              </a:ext>
+            </a:extLst>
+          </p:cNvPr>
+          <p:cNvSpPr>
+            <a:spLocks noGrp="1"/>
+          </p:cNvSpPr>
+          <p:nvPr>
+            <p:ph type="sldNum" sz="quarter" idx="12"/>
+          </p:nvPr>
+        </p:nvSpPr>
+        <p:spPr/>
+        <p:txBody>
+          <a:bodyPr/>
+          <a:lstStyle/>
+          <a:p>
+            <a:pPr>
+              <a:defRPr/>
+            </a:pPr>
+            <a:fld id="{EC35E9FC-F6D5-0349-BBED-EA7D7A9BC49B}" type="slidenum">
+              <a:rPr lang="en-US" smtClean="0"/>
+              <a:pPr>
+                <a:defRPr/>
+              </a:pPr>
+              <a:t>11</a:t>
+            </a:fld>
+            <a:endParaRPr lang="en-US"/>
+          </a:p>
+        </p:txBody>
+      </p:sp>
+    </p:spTree>
+    <p:extLst>
+      <p:ext uri="{BB962C8B-B14F-4D97-AF65-F5344CB8AC3E}">
+        <p14:creationId xmlns:p14="http://schemas.microsoft.com/office/powerpoint/2010/main" val="684216076"/>
+      </p:ext>
+    </p:extLst>
+  </p:cSld>
+  <p:clrMapOvr>
+    <a:masterClrMapping/>
+  </p:clrMapOvr>
+</p:sld>
+</file>
+
+<file path=ppt/slides/slide12.xml><?xml version="1.0" encoding="utf-8"?>
+<p:sld xmlns:a="http://schemas.openxmlformats.org/drawingml/2006/main" xmlns:r="http://schemas.openxmlformats.org/officeDocument/2006/relationships" xmlns:p="http://schemas.openxmlformats.org/presentationml/2006/main">
+  <p:cSld>
+    <p:spTree>
+      <p:nvGrpSpPr>
+        <p:cNvPr id="1" name=""/>
+        <p:cNvGrpSpPr/>
+        <p:nvPr/>
+      </p:nvGrpSpPr>
+      <p:grpSpPr>
+        <a:xfrm>
+          <a:off x="0" y="0"/>
+          <a:ext cx="0" cy="0"/>
+          <a:chOff x="0" y="0"/>
+          <a:chExt cx="0" cy="0"/>
+        </a:xfrm>
+      </p:grpSpPr>
+      <p:sp>
+        <p:nvSpPr>
+          <p:cNvPr id="2" name="Title 1">
+            <a:extLst>
+              <a:ext uri="{FF2B5EF4-FFF2-40B4-BE49-F238E27FC236}">
+                <a16:creationId xmlns:a16="http://schemas.microsoft.com/office/drawing/2014/main" id="{A801FADC-7EE9-664D-98EB-ADD9A9B62C59}"/>
+              </a:ext>
+            </a:extLst>
+          </p:cNvPr>
+          <p:cNvSpPr>
+            <a:spLocks noGrp="1"/>
+          </p:cNvSpPr>
+          <p:nvPr>
+            <p:ph type="title"/>
+          </p:nvPr>
+        </p:nvSpPr>
+        <p:spPr/>
+        <p:txBody>
+          <a:bodyPr/>
+          <a:lstStyle/>
+          <a:p>
+            <a:r>
+              <a:rPr lang="en-US" dirty="0"/>
+              <a:t>Y2O3 Decomposition</a:t>
+            </a:r>
+          </a:p>
+        </p:txBody>
+      </p:sp>
+      <p:sp>
+        <p:nvSpPr>
+          <p:cNvPr id="3" name="Content Placeholder 2">
+            <a:extLst>
+              <a:ext uri="{FF2B5EF4-FFF2-40B4-BE49-F238E27FC236}">
+                <a16:creationId xmlns:a16="http://schemas.microsoft.com/office/drawing/2014/main" id="{E461B397-85C3-7742-9C01-3FD533E7782C}"/>
+              </a:ext>
+            </a:extLst>
+          </p:cNvPr>
+          <p:cNvSpPr>
+            <a:spLocks noGrp="1"/>
+          </p:cNvSpPr>
+          <p:nvPr>
+            <p:ph sz="half" idx="1"/>
+          </p:nvPr>
+        </p:nvSpPr>
+        <p:spPr>
+          <a:xfrm>
+            <a:off x="609599" y="1968503"/>
+            <a:ext cx="6026839" cy="4157663"/>
+          </a:xfrm>
+        </p:spPr>
+        <p:txBody>
+          <a:bodyPr/>
+          <a:lstStyle/>
+          <a:p>
+            <a:r>
+              <a:rPr lang="en-US" sz="2400" dirty="0"/>
+              <a:t>The fine distribution of Y2O3 particles is attained by the dissociation of stable Y2O3 particles which are forced to decomposed into the ferritic steel matrix during the mechanical alloying process </a:t>
+            </a:r>
+          </a:p>
+          <a:p>
+            <a:r>
+              <a:rPr lang="en-US" sz="2400" dirty="0"/>
+              <a:t>The lattice structure change of Y2O3 in the ODS steel during MA  consists of three stages: (1) destruction of the lattice structure, (2) formation of a blurry lattice structure, (3) appearance of amorphous areas</a:t>
+            </a:r>
+          </a:p>
+          <a:p>
+            <a:endParaRPr lang="en-US" sz="2400" dirty="0"/>
+          </a:p>
+        </p:txBody>
+      </p:sp>
+      <p:pic>
+        <p:nvPicPr>
+          <p:cNvPr id="5" name="Content Placeholder 4">
+            <a:extLst>
+              <a:ext uri="{FF2B5EF4-FFF2-40B4-BE49-F238E27FC236}">
+                <a16:creationId xmlns:a16="http://schemas.microsoft.com/office/drawing/2014/main" id="{A800061A-7774-FE48-A81C-66C0260FD25B}"/>
+              </a:ext>
+            </a:extLst>
+          </p:cNvPr>
+          <p:cNvPicPr>
+            <a:picLocks noGrp="1" noChangeAspect="1"/>
+          </p:cNvPicPr>
+          <p:nvPr>
+            <p:ph sz="half" idx="2"/>
+          </p:nvPr>
+        </p:nvPicPr>
+        <p:blipFill>
+          <a:blip r:embed="rId2"/>
+          <a:stretch>
+            <a:fillRect/>
+          </a:stretch>
+        </p:blipFill>
+        <p:spPr>
+          <a:xfrm>
+            <a:off x="6636439" y="1968500"/>
+            <a:ext cx="4507121" cy="4157663"/>
+          </a:xfrm>
+          <a:prstGeom prst="rect">
+            <a:avLst/>
+          </a:prstGeom>
+        </p:spPr>
+      </p:pic>
+      <p:sp>
+        <p:nvSpPr>
+          <p:cNvPr id="6" name="Slide Number Placeholder 5">
+            <a:extLst>
+              <a:ext uri="{FF2B5EF4-FFF2-40B4-BE49-F238E27FC236}">
+                <a16:creationId xmlns:a16="http://schemas.microsoft.com/office/drawing/2014/main" id="{C2B7A988-E9CB-D742-874D-CCADFE45CF03}"/>
+              </a:ext>
+            </a:extLst>
+          </p:cNvPr>
+          <p:cNvSpPr>
+            <a:spLocks noGrp="1"/>
+          </p:cNvSpPr>
+          <p:nvPr>
+            <p:ph type="sldNum" sz="quarter" idx="12"/>
+          </p:nvPr>
+        </p:nvSpPr>
+        <p:spPr/>
+        <p:txBody>
+          <a:bodyPr/>
+          <a:lstStyle/>
+          <a:p>
+            <a:pPr>
+              <a:defRPr/>
+            </a:pPr>
+            <a:fld id="{EC35E9FC-F6D5-0349-BBED-EA7D7A9BC49B}" type="slidenum">
+              <a:rPr lang="en-US" smtClean="0"/>
+              <a:pPr>
+                <a:defRPr/>
+              </a:pPr>
+              <a:t>12</a:t>
+            </a:fld>
+            <a:endParaRPr lang="en-US"/>
+          </a:p>
+        </p:txBody>
+      </p:sp>
+    </p:spTree>
+    <p:extLst>
+      <p:ext uri="{BB962C8B-B14F-4D97-AF65-F5344CB8AC3E}">
+        <p14:creationId xmlns:p14="http://schemas.microsoft.com/office/powerpoint/2010/main" val="1663112948"/>
+      </p:ext>
+    </p:extLst>
+  </p:cSld>
+  <p:clrMapOvr>
+    <a:masterClrMapping/>
+  </p:clrMapOvr>
+</p:sld>
+</file>
+
+<file path=ppt/slides/slide13.xml><?xml version="1.0" encoding="utf-8"?>
+<p:sld xmlns:a="http://schemas.openxmlformats.org/drawingml/2006/main" xmlns:r="http://schemas.openxmlformats.org/officeDocument/2006/relationships" xmlns:p="http://schemas.openxmlformats.org/presentationml/2006/main">
+  <p:cSld>
+    <p:spTree>
+      <p:nvGrpSpPr>
+        <p:cNvPr id="1" name=""/>
+        <p:cNvGrpSpPr/>
+        <p:nvPr/>
+      </p:nvGrpSpPr>
+      <p:grpSpPr>
+        <a:xfrm>
+          <a:off x="0" y="0"/>
+          <a:ext cx="0" cy="0"/>
+          <a:chOff x="0" y="0"/>
+          <a:chExt cx="0" cy="0"/>
+        </a:xfrm>
+      </p:grpSpPr>
+      <p:sp>
+        <p:nvSpPr>
+          <p:cNvPr id="2" name="Title 1">
+            <a:extLst>
+              <a:ext uri="{FF2B5EF4-FFF2-40B4-BE49-F238E27FC236}">
+                <a16:creationId xmlns:a16="http://schemas.microsoft.com/office/drawing/2014/main" id="{61522250-8A26-004F-BF6B-85CD9B9EF076}"/>
+              </a:ext>
+            </a:extLst>
+          </p:cNvPr>
+          <p:cNvSpPr>
+            <a:spLocks noGrp="1"/>
+          </p:cNvSpPr>
+          <p:nvPr>
+            <p:ph type="title"/>
+          </p:nvPr>
+        </p:nvSpPr>
+        <p:spPr/>
+        <p:txBody>
+          <a:bodyPr/>
+          <a:lstStyle/>
+          <a:p>
+            <a:r>
+              <a:rPr lang="en-US" dirty="0"/>
+              <a:t>9Cr-ODS</a:t>
+            </a:r>
+          </a:p>
+        </p:txBody>
+      </p:sp>
+      <p:sp>
+        <p:nvSpPr>
+          <p:cNvPr id="3" name="Content Placeholder 2">
+            <a:extLst>
+              <a:ext uri="{FF2B5EF4-FFF2-40B4-BE49-F238E27FC236}">
+                <a16:creationId xmlns:a16="http://schemas.microsoft.com/office/drawing/2014/main" id="{8E2D5E9B-48DE-6140-9EFD-72516E8FEBE3}"/>
+              </a:ext>
+            </a:extLst>
+          </p:cNvPr>
+          <p:cNvSpPr>
+            <a:spLocks noGrp="1"/>
+          </p:cNvSpPr>
+          <p:nvPr>
+            <p:ph sz="half" idx="1"/>
+          </p:nvPr>
+        </p:nvSpPr>
+        <p:spPr>
+          <a:xfrm>
+            <a:off x="609599" y="1968503"/>
+            <a:ext cx="5588001" cy="4157663"/>
+          </a:xfrm>
+        </p:spPr>
+        <p:txBody>
+          <a:bodyPr/>
+          <a:lstStyle/>
+          <a:p>
+            <a:r>
+              <a:rPr lang="en-US" sz="2400" dirty="0"/>
+              <a:t>For nuclear applications, the choice of 9 </a:t>
+            </a:r>
+            <a:r>
+              <a:rPr lang="en-US" sz="2400" dirty="0" err="1"/>
+              <a:t>wt</a:t>
+            </a:r>
+            <a:r>
+              <a:rPr lang="en-US" sz="2400" dirty="0"/>
+              <a:t>% Cr with a tempered martensitic matrix is preferable to suppress the ductility loss by irradiation hardening and improve the microstructure stability and creep strength at high temperature</a:t>
+            </a:r>
+          </a:p>
+          <a:p>
+            <a:r>
+              <a:rPr lang="en-US" sz="2400" dirty="0"/>
+              <a:t>The high-temperature strength of 9Cr-ODS is drastically improved by nano-scale oxide particles dispersion in the matrix</a:t>
+            </a:r>
+          </a:p>
+          <a:p>
+            <a:endParaRPr lang="en-US" sz="2400" dirty="0"/>
+          </a:p>
+        </p:txBody>
+      </p:sp>
+      <p:sp>
+        <p:nvSpPr>
+          <p:cNvPr id="7" name="Content Placeholder 6">
+            <a:extLst>
+              <a:ext uri="{FF2B5EF4-FFF2-40B4-BE49-F238E27FC236}">
+                <a16:creationId xmlns:a16="http://schemas.microsoft.com/office/drawing/2014/main" id="{98938438-25F8-5642-A0A2-7CE72E34D422}"/>
+              </a:ext>
+            </a:extLst>
+          </p:cNvPr>
+          <p:cNvSpPr>
+            <a:spLocks noGrp="1"/>
+          </p:cNvSpPr>
+          <p:nvPr>
+            <p:ph sz="half" idx="2"/>
+          </p:nvPr>
+        </p:nvSpPr>
+        <p:spPr/>
+        <p:txBody>
+          <a:bodyPr/>
+          <a:lstStyle/>
+          <a:p>
+            <a:r>
+              <a:rPr lang="en-US" sz="2400" dirty="0"/>
+              <a:t>The standard chemical composition of 9Cr-ODS being developed by the JAEA for SFR application is 9Cr–0.13C–0.2Ti–2W– 0.35Y2O3 (</a:t>
+            </a:r>
+            <a:r>
+              <a:rPr lang="en-US" sz="2400" dirty="0" err="1"/>
+              <a:t>wt</a:t>
+            </a:r>
+            <a:r>
+              <a:rPr lang="en-US" sz="2400" dirty="0"/>
+              <a:t>%)</a:t>
+            </a:r>
+          </a:p>
+          <a:p>
+            <a:r>
+              <a:rPr lang="en-US" sz="2400" dirty="0"/>
+              <a:t>The addition of titanium produces the nanoscale dispersion of oxide particles</a:t>
+            </a:r>
+          </a:p>
+          <a:p>
+            <a:r>
+              <a:rPr lang="en-US" sz="2400" dirty="0"/>
+              <a:t>Tungsten of 2 </a:t>
+            </a:r>
+            <a:r>
+              <a:rPr lang="en-US" sz="2400" dirty="0" err="1"/>
+              <a:t>wt</a:t>
+            </a:r>
+            <a:r>
+              <a:rPr lang="en-US" sz="2400" dirty="0"/>
+              <a:t>% is also added in order to improve high-temperature strength by means of solid solution hardening</a:t>
+            </a:r>
+          </a:p>
+          <a:p>
+            <a:endParaRPr lang="en-US" sz="2400" dirty="0"/>
+          </a:p>
+          <a:p>
+            <a:endParaRPr lang="en-US" sz="2400" dirty="0"/>
+          </a:p>
+        </p:txBody>
+      </p:sp>
+      <p:sp>
+        <p:nvSpPr>
+          <p:cNvPr id="8" name="Slide Number Placeholder 7">
+            <a:extLst>
+              <a:ext uri="{FF2B5EF4-FFF2-40B4-BE49-F238E27FC236}">
+                <a16:creationId xmlns:a16="http://schemas.microsoft.com/office/drawing/2014/main" id="{01151CE1-28E7-0440-931D-7D3128F1596F}"/>
+              </a:ext>
+            </a:extLst>
+          </p:cNvPr>
+          <p:cNvSpPr>
+            <a:spLocks noGrp="1"/>
+          </p:cNvSpPr>
+          <p:nvPr>
+            <p:ph type="sldNum" sz="quarter" idx="12"/>
+          </p:nvPr>
+        </p:nvSpPr>
+        <p:spPr/>
+        <p:txBody>
+          <a:bodyPr/>
+          <a:lstStyle/>
+          <a:p>
+            <a:pPr>
+              <a:defRPr/>
+            </a:pPr>
+            <a:fld id="{EC35E9FC-F6D5-0349-BBED-EA7D7A9BC49B}" type="slidenum">
+              <a:rPr lang="en-US" smtClean="0"/>
+              <a:pPr>
+                <a:defRPr/>
+              </a:pPr>
+              <a:t>13</a:t>
+            </a:fld>
+            <a:endParaRPr lang="en-US"/>
+          </a:p>
+        </p:txBody>
+      </p:sp>
+    </p:spTree>
+    <p:extLst>
+      <p:ext uri="{BB962C8B-B14F-4D97-AF65-F5344CB8AC3E}">
+        <p14:creationId xmlns:p14="http://schemas.microsoft.com/office/powerpoint/2010/main" val="3098717788"/>
+      </p:ext>
+    </p:extLst>
+  </p:cSld>
+  <p:clrMapOvr>
+    <a:masterClrMapping/>
+  </p:clrMapOvr>
+</p:sld>
+</file>
+
+<file path=ppt/slides/slide14.xml><?xml version="1.0" encoding="utf-8"?>
+<p:sld xmlns:a="http://schemas.openxmlformats.org/drawingml/2006/main" xmlns:r="http://schemas.openxmlformats.org/officeDocument/2006/relationships" xmlns:p="http://schemas.openxmlformats.org/presentationml/2006/main">
+  <p:cSld>
+    <p:spTree>
+      <p:nvGrpSpPr>
+        <p:cNvPr id="1" name=""/>
+        <p:cNvGrpSpPr/>
+        <p:nvPr/>
+      </p:nvGrpSpPr>
+      <p:grpSpPr>
+        <a:xfrm>
+          <a:off x="0" y="0"/>
+          <a:ext cx="0" cy="0"/>
+          <a:chOff x="0" y="0"/>
+          <a:chExt cx="0" cy="0"/>
+        </a:xfrm>
+      </p:grpSpPr>
+      <p:sp>
+        <p:nvSpPr>
+          <p:cNvPr id="2" name="Title 1">
+            <a:extLst>
+              <a:ext uri="{FF2B5EF4-FFF2-40B4-BE49-F238E27FC236}">
+                <a16:creationId xmlns:a16="http://schemas.microsoft.com/office/drawing/2014/main" id="{7D9161DF-75E8-9F4D-BBB5-104866D5AD4D}"/>
+              </a:ext>
+            </a:extLst>
+          </p:cNvPr>
+          <p:cNvSpPr>
+            <a:spLocks noGrp="1"/>
+          </p:cNvSpPr>
+          <p:nvPr>
+            <p:ph type="title"/>
+          </p:nvPr>
+        </p:nvSpPr>
+        <p:spPr/>
+        <p:txBody>
+          <a:bodyPr/>
+          <a:lstStyle/>
+          <a:p>
+            <a:r>
+              <a:rPr lang="en-US" dirty="0"/>
+              <a:t>9Cr-ODS microstructure</a:t>
+            </a:r>
+          </a:p>
+        </p:txBody>
+      </p:sp>
+      <p:sp>
+        <p:nvSpPr>
+          <p:cNvPr id="3" name="Content Placeholder 2">
+            <a:extLst>
+              <a:ext uri="{FF2B5EF4-FFF2-40B4-BE49-F238E27FC236}">
+                <a16:creationId xmlns:a16="http://schemas.microsoft.com/office/drawing/2014/main" id="{1BFA75AD-51FE-A643-8619-8752A536CC44}"/>
+              </a:ext>
+            </a:extLst>
+          </p:cNvPr>
+          <p:cNvSpPr>
+            <a:spLocks noGrp="1"/>
+          </p:cNvSpPr>
+          <p:nvPr>
+            <p:ph sz="half" idx="1"/>
+          </p:nvPr>
+        </p:nvSpPr>
+        <p:spPr>
+          <a:xfrm>
+            <a:off x="609600" y="1968503"/>
+            <a:ext cx="6407150" cy="4157663"/>
+          </a:xfrm>
+        </p:spPr>
+        <p:txBody>
+          <a:bodyPr/>
+          <a:lstStyle/>
+          <a:p>
+            <a:r>
+              <a:rPr lang="en-US" sz="2400" dirty="0"/>
+              <a:t>The microstructure of 9Cr-ODS steel cladding is basically tempered martensite, but includes some residual ferrite phases</a:t>
+            </a:r>
+          </a:p>
+          <a:p>
+            <a:r>
+              <a:rPr lang="en-US" sz="2400" dirty="0"/>
+              <a:t>Only the full martensite phase can be expected in 9Cr-ferritic steel without yttria under the same conditions</a:t>
+            </a:r>
+          </a:p>
+          <a:p>
+            <a:r>
+              <a:rPr lang="en-US" sz="2400" dirty="0"/>
+              <a:t>The high temperature strength is greatly improved with the ferrite, and thus control of ferrite is key in ODS fabrication</a:t>
+            </a:r>
+          </a:p>
+        </p:txBody>
+      </p:sp>
+      <p:pic>
+        <p:nvPicPr>
+          <p:cNvPr id="5" name="Content Placeholder 4">
+            <a:extLst>
+              <a:ext uri="{FF2B5EF4-FFF2-40B4-BE49-F238E27FC236}">
+                <a16:creationId xmlns:a16="http://schemas.microsoft.com/office/drawing/2014/main" id="{70BF21CA-97DA-744F-A244-483B5D200613}"/>
+              </a:ext>
+            </a:extLst>
+          </p:cNvPr>
+          <p:cNvPicPr>
+            <a:picLocks noGrp="1" noChangeAspect="1"/>
+          </p:cNvPicPr>
+          <p:nvPr>
+            <p:ph sz="half" idx="2"/>
+          </p:nvPr>
+        </p:nvPicPr>
+        <p:blipFill>
+          <a:blip r:embed="rId2"/>
+          <a:stretch>
+            <a:fillRect/>
+          </a:stretch>
+        </p:blipFill>
+        <p:spPr>
+          <a:xfrm>
+            <a:off x="7016750" y="2174081"/>
+            <a:ext cx="3746500" cy="3746500"/>
+          </a:xfrm>
+          <a:prstGeom prst="rect">
+            <a:avLst/>
+          </a:prstGeom>
+        </p:spPr>
+      </p:pic>
+      <p:sp>
+        <p:nvSpPr>
+          <p:cNvPr id="6" name="Slide Number Placeholder 5">
+            <a:extLst>
+              <a:ext uri="{FF2B5EF4-FFF2-40B4-BE49-F238E27FC236}">
+                <a16:creationId xmlns:a16="http://schemas.microsoft.com/office/drawing/2014/main" id="{C644C249-6A8F-8F42-B0A8-41127DC95471}"/>
+              </a:ext>
+            </a:extLst>
+          </p:cNvPr>
+          <p:cNvSpPr>
+            <a:spLocks noGrp="1"/>
+          </p:cNvSpPr>
+          <p:nvPr>
+            <p:ph type="sldNum" sz="quarter" idx="12"/>
+          </p:nvPr>
+        </p:nvSpPr>
+        <p:spPr/>
+        <p:txBody>
+          <a:bodyPr/>
+          <a:lstStyle/>
+          <a:p>
+            <a:pPr>
+              <a:defRPr/>
+            </a:pPr>
+            <a:fld id="{EC35E9FC-F6D5-0349-BBED-EA7D7A9BC49B}" type="slidenum">
+              <a:rPr lang="en-US" smtClean="0"/>
+              <a:pPr>
+                <a:defRPr/>
+              </a:pPr>
+              <a:t>14</a:t>
+            </a:fld>
+            <a:endParaRPr lang="en-US"/>
+          </a:p>
+        </p:txBody>
+      </p:sp>
+    </p:spTree>
+    <p:extLst>
+      <p:ext uri="{BB962C8B-B14F-4D97-AF65-F5344CB8AC3E}">
+        <p14:creationId xmlns:p14="http://schemas.microsoft.com/office/powerpoint/2010/main" val="3980652631"/>
+      </p:ext>
+    </p:extLst>
+  </p:cSld>
+  <p:clrMapOvr>
+    <a:masterClrMapping/>
+  </p:clrMapOvr>
+</p:sld>
+</file>
+
+<file path=ppt/slides/slide15.xml><?xml version="1.0" encoding="utf-8"?>
+<p:sld xmlns:a="http://schemas.openxmlformats.org/drawingml/2006/main" xmlns:r="http://schemas.openxmlformats.org/officeDocument/2006/relationships" xmlns:p="http://schemas.openxmlformats.org/presentationml/2006/main">
+  <p:cSld>
+    <p:spTree>
+      <p:nvGrpSpPr>
+        <p:cNvPr id="1" name=""/>
+        <p:cNvGrpSpPr/>
+        <p:nvPr/>
+      </p:nvGrpSpPr>
+      <p:grpSpPr>
+        <a:xfrm>
+          <a:off x="0" y="0"/>
+          <a:ext cx="0" cy="0"/>
+          <a:chOff x="0" y="0"/>
+          <a:chExt cx="0" cy="0"/>
+        </a:xfrm>
+      </p:grpSpPr>
+      <p:sp>
+        <p:nvSpPr>
+          <p:cNvPr id="2" name="Title 1">
+            <a:extLst>
+              <a:ext uri="{FF2B5EF4-FFF2-40B4-BE49-F238E27FC236}">
+                <a16:creationId xmlns:a16="http://schemas.microsoft.com/office/drawing/2014/main" id="{04AFA4C9-302C-584D-9C86-2C7DBC51311E}"/>
+              </a:ext>
+            </a:extLst>
+          </p:cNvPr>
+          <p:cNvSpPr>
+            <a:spLocks noGrp="1"/>
+          </p:cNvSpPr>
+          <p:nvPr>
+            <p:ph type="title"/>
+          </p:nvPr>
+        </p:nvSpPr>
+        <p:spPr/>
+        <p:txBody>
+          <a:bodyPr/>
+          <a:lstStyle/>
+          <a:p>
+            <a:r>
+              <a:rPr lang="en-US" dirty="0"/>
+              <a:t>Residual Ferrite</a:t>
+            </a:r>
+          </a:p>
+        </p:txBody>
+      </p:sp>
+      <p:sp>
+        <p:nvSpPr>
+          <p:cNvPr id="3" name="Content Placeholder 2">
+            <a:extLst>
+              <a:ext uri="{FF2B5EF4-FFF2-40B4-BE49-F238E27FC236}">
+                <a16:creationId xmlns:a16="http://schemas.microsoft.com/office/drawing/2014/main" id="{0F9C87BD-DDA5-6141-8249-67125CE82DF7}"/>
+              </a:ext>
+            </a:extLst>
+          </p:cNvPr>
+          <p:cNvSpPr>
+            <a:spLocks noGrp="1"/>
+          </p:cNvSpPr>
+          <p:nvPr>
+            <p:ph sz="half" idx="1"/>
+          </p:nvPr>
+        </p:nvSpPr>
+        <p:spPr>
+          <a:xfrm>
+            <a:off x="609599" y="1968503"/>
+            <a:ext cx="6719455" cy="4157663"/>
+          </a:xfrm>
+        </p:spPr>
+        <p:txBody>
+          <a:bodyPr/>
+          <a:lstStyle/>
+          <a:p>
+            <a:r>
+              <a:rPr lang="en-US" sz="2400" dirty="0"/>
+              <a:t>Annealing results in the formation and precipitation of Y–</a:t>
+            </a:r>
+            <a:r>
+              <a:rPr lang="en-US" sz="2400" dirty="0" err="1"/>
+              <a:t>Ti</a:t>
+            </a:r>
+            <a:r>
+              <a:rPr lang="en-US" sz="2400" dirty="0"/>
+              <a:t> complex oxide particles at elevated temperatures of 700C or higher</a:t>
+            </a:r>
+          </a:p>
+          <a:p>
+            <a:r>
+              <a:rPr lang="en-US" sz="2400" dirty="0"/>
+              <a:t>Since the reverse transformation of alpha (ferrite) to gamma (austenite) takes place at a temperature over 850C, alpha ferrite is attributed to the presence of the Y-</a:t>
+            </a:r>
+            <a:r>
+              <a:rPr lang="en-US" sz="2400" dirty="0" err="1"/>
+              <a:t>Ti</a:t>
+            </a:r>
+            <a:r>
+              <a:rPr lang="en-US" sz="2400" dirty="0"/>
+              <a:t>-O particles </a:t>
+            </a:r>
+          </a:p>
+          <a:p>
+            <a:r>
+              <a:rPr lang="en-US" sz="2400" dirty="0"/>
+              <a:t>These particles block the motion of the alpha-gamma interface, there by partly suppressing the reverse transformation from alpha to gamma-phase </a:t>
+            </a:r>
+          </a:p>
+          <a:p>
+            <a:endParaRPr lang="en-US" sz="2400" dirty="0"/>
+          </a:p>
+          <a:p>
+            <a:endParaRPr lang="en-US" sz="2400" dirty="0"/>
+          </a:p>
+        </p:txBody>
+      </p:sp>
+      <p:sp>
+        <p:nvSpPr>
+          <p:cNvPr id="4" name="Content Placeholder 3">
+            <a:extLst>
+              <a:ext uri="{FF2B5EF4-FFF2-40B4-BE49-F238E27FC236}">
+                <a16:creationId xmlns:a16="http://schemas.microsoft.com/office/drawing/2014/main" id="{C6F6AD46-F1D6-394D-8EC8-167284634CAF}"/>
+              </a:ext>
+            </a:extLst>
+          </p:cNvPr>
+          <p:cNvSpPr>
+            <a:spLocks noGrp="1"/>
+          </p:cNvSpPr>
+          <p:nvPr>
+            <p:ph sz="half" idx="2"/>
+          </p:nvPr>
+        </p:nvSpPr>
+        <p:spPr/>
+        <p:txBody>
+          <a:bodyPr/>
+          <a:lstStyle/>
+          <a:p>
+            <a:endParaRPr lang="en-US" sz="2400" dirty="0"/>
+          </a:p>
+          <a:p>
+            <a:endParaRPr lang="en-US" sz="2400" dirty="0"/>
+          </a:p>
+        </p:txBody>
+      </p:sp>
+      <p:pic>
+        <p:nvPicPr>
+          <p:cNvPr id="5" name="Picture 4">
+            <a:extLst>
+              <a:ext uri="{FF2B5EF4-FFF2-40B4-BE49-F238E27FC236}">
+                <a16:creationId xmlns:a16="http://schemas.microsoft.com/office/drawing/2014/main" id="{8A55B944-563A-004C-B53F-C804DA10931C}"/>
+              </a:ext>
+            </a:extLst>
+          </p:cNvPr>
+          <p:cNvPicPr>
+            <a:picLocks noChangeAspect="1"/>
+          </p:cNvPicPr>
+          <p:nvPr/>
+        </p:nvPicPr>
+        <p:blipFill>
+          <a:blip r:embed="rId2"/>
+          <a:stretch>
+            <a:fillRect/>
+          </a:stretch>
+        </p:blipFill>
+        <p:spPr>
+          <a:xfrm>
+            <a:off x="7667625" y="1713795"/>
+            <a:ext cx="3158114" cy="2663987"/>
+          </a:xfrm>
+          <a:prstGeom prst="rect">
+            <a:avLst/>
+          </a:prstGeom>
+        </p:spPr>
+      </p:pic>
+      <p:sp>
+        <p:nvSpPr>
+          <p:cNvPr id="6" name="Slide Number Placeholder 5">
+            <a:extLst>
+              <a:ext uri="{FF2B5EF4-FFF2-40B4-BE49-F238E27FC236}">
+                <a16:creationId xmlns:a16="http://schemas.microsoft.com/office/drawing/2014/main" id="{65D3CCFD-8543-6D45-95DD-DC73139F3BEE}"/>
+              </a:ext>
+            </a:extLst>
+          </p:cNvPr>
+          <p:cNvSpPr>
+            <a:spLocks noGrp="1"/>
+          </p:cNvSpPr>
+          <p:nvPr>
+            <p:ph type="sldNum" sz="quarter" idx="12"/>
+          </p:nvPr>
+        </p:nvSpPr>
+        <p:spPr/>
+        <p:txBody>
+          <a:bodyPr/>
+          <a:lstStyle/>
+          <a:p>
+            <a:pPr>
+              <a:defRPr/>
+            </a:pPr>
+            <a:fld id="{EC35E9FC-F6D5-0349-BBED-EA7D7A9BC49B}" type="slidenum">
+              <a:rPr lang="en-US" smtClean="0"/>
+              <a:pPr>
+                <a:defRPr/>
+              </a:pPr>
+              <a:t>15</a:t>
+            </a:fld>
+            <a:endParaRPr lang="en-US"/>
+          </a:p>
+        </p:txBody>
+      </p:sp>
+      <p:pic>
+        <p:nvPicPr>
+          <p:cNvPr id="7" name="Picture 6">
+            <a:extLst>
+              <a:ext uri="{FF2B5EF4-FFF2-40B4-BE49-F238E27FC236}">
+                <a16:creationId xmlns:a16="http://schemas.microsoft.com/office/drawing/2014/main" id="{AFEDD29B-6E46-4544-957D-ECA5DDB83741}"/>
+              </a:ext>
+            </a:extLst>
+          </p:cNvPr>
+          <p:cNvPicPr>
+            <a:picLocks noChangeAspect="1"/>
+          </p:cNvPicPr>
+          <p:nvPr/>
+        </p:nvPicPr>
+        <p:blipFill>
+          <a:blip r:embed="rId3"/>
+          <a:stretch>
+            <a:fillRect/>
+          </a:stretch>
+        </p:blipFill>
+        <p:spPr>
+          <a:xfrm>
+            <a:off x="7329054" y="4377782"/>
+            <a:ext cx="4106285" cy="2107997"/>
+          </a:xfrm>
+          <a:prstGeom prst="rect">
+            <a:avLst/>
+          </a:prstGeom>
+        </p:spPr>
+      </p:pic>
+    </p:spTree>
+    <p:extLst>
+      <p:ext uri="{BB962C8B-B14F-4D97-AF65-F5344CB8AC3E}">
+        <p14:creationId xmlns:p14="http://schemas.microsoft.com/office/powerpoint/2010/main" val="178154580"/>
+      </p:ext>
+    </p:extLst>
+  </p:cSld>
+  <p:clrMapOvr>
+    <a:masterClrMapping/>
+  </p:clrMapOvr>
+</p:sld>
+</file>
+
+<file path=ppt/slides/slide16.xml><?xml version="1.0" encoding="utf-8"?>
+<p:sld xmlns:a="http://schemas.openxmlformats.org/drawingml/2006/main" xmlns:r="http://schemas.openxmlformats.org/officeDocument/2006/relationships" xmlns:p="http://schemas.openxmlformats.org/presentationml/2006/main">
+  <p:cSld>
+    <p:spTree>
+      <p:nvGrpSpPr>
+        <p:cNvPr id="1" name=""/>
+        <p:cNvGrpSpPr/>
+        <p:nvPr/>
+      </p:nvGrpSpPr>
+      <p:grpSpPr>
+        <a:xfrm>
+          <a:off x="0" y="0"/>
+          <a:ext cx="0" cy="0"/>
+          <a:chOff x="0" y="0"/>
+          <a:chExt cx="0" cy="0"/>
+        </a:xfrm>
+      </p:grpSpPr>
+      <p:sp>
+        <p:nvSpPr>
+          <p:cNvPr id="2" name="Title 1">
+            <a:extLst>
+              <a:ext uri="{FF2B5EF4-FFF2-40B4-BE49-F238E27FC236}">
+                <a16:creationId xmlns:a16="http://schemas.microsoft.com/office/drawing/2014/main" id="{D0B51033-CB55-8942-AE01-C8B5837C814E}"/>
+              </a:ext>
+            </a:extLst>
+          </p:cNvPr>
+          <p:cNvSpPr>
+            <a:spLocks noGrp="1"/>
+          </p:cNvSpPr>
+          <p:nvPr>
+            <p:ph type="title"/>
+          </p:nvPr>
+        </p:nvSpPr>
+        <p:spPr/>
+        <p:txBody>
+          <a:bodyPr/>
+          <a:lstStyle/>
+          <a:p>
+            <a:endParaRPr lang="en-US"/>
+          </a:p>
+        </p:txBody>
+      </p:sp>
+      <p:sp>
+        <p:nvSpPr>
+          <p:cNvPr id="3" name="Content Placeholder 2">
+            <a:extLst>
+              <a:ext uri="{FF2B5EF4-FFF2-40B4-BE49-F238E27FC236}">
+                <a16:creationId xmlns:a16="http://schemas.microsoft.com/office/drawing/2014/main" id="{432C79A1-3B09-DF46-9A93-98683CA2103E}"/>
+              </a:ext>
+            </a:extLst>
+          </p:cNvPr>
+          <p:cNvSpPr>
+            <a:spLocks noGrp="1"/>
+          </p:cNvSpPr>
+          <p:nvPr>
+            <p:ph sz="half" idx="1"/>
+          </p:nvPr>
+        </p:nvSpPr>
+        <p:spPr/>
+        <p:txBody>
+          <a:bodyPr/>
+          <a:lstStyle/>
+          <a:p>
+            <a:endParaRPr lang="en-US"/>
+          </a:p>
+        </p:txBody>
+      </p:sp>
+      <p:sp>
+        <p:nvSpPr>
+          <p:cNvPr id="4" name="Content Placeholder 3">
+            <a:extLst>
+              <a:ext uri="{FF2B5EF4-FFF2-40B4-BE49-F238E27FC236}">
+                <a16:creationId xmlns:a16="http://schemas.microsoft.com/office/drawing/2014/main" id="{1F248BCA-3004-2C41-AEF7-30FEF056ADD2}"/>
+              </a:ext>
+            </a:extLst>
+          </p:cNvPr>
+          <p:cNvSpPr>
+            <a:spLocks noGrp="1"/>
+          </p:cNvSpPr>
+          <p:nvPr>
+            <p:ph sz="half" idx="2"/>
+          </p:nvPr>
+        </p:nvSpPr>
+        <p:spPr/>
+        <p:txBody>
+          <a:bodyPr/>
+          <a:lstStyle/>
+          <a:p>
+            <a:endParaRPr lang="en-US"/>
+          </a:p>
+        </p:txBody>
+      </p:sp>
+      <p:sp>
+        <p:nvSpPr>
+          <p:cNvPr id="5" name="Slide Number Placeholder 4">
+            <a:extLst>
+              <a:ext uri="{FF2B5EF4-FFF2-40B4-BE49-F238E27FC236}">
+                <a16:creationId xmlns:a16="http://schemas.microsoft.com/office/drawing/2014/main" id="{4A49CEDE-A0BD-EE47-B6CB-CBAED3EAC354}"/>
+              </a:ext>
+            </a:extLst>
+          </p:cNvPr>
+          <p:cNvSpPr>
+            <a:spLocks noGrp="1"/>
+          </p:cNvSpPr>
+          <p:nvPr>
+            <p:ph type="sldNum" sz="quarter" idx="12"/>
+          </p:nvPr>
+        </p:nvSpPr>
+        <p:spPr/>
+        <p:txBody>
+          <a:bodyPr/>
+          <a:lstStyle/>
+          <a:p>
+            <a:pPr>
+              <a:defRPr/>
+            </a:pPr>
+            <a:fld id="{EC35E9FC-F6D5-0349-BBED-EA7D7A9BC49B}" type="slidenum">
+              <a:rPr lang="en-US" smtClean="0"/>
+              <a:pPr>
+                <a:defRPr/>
+              </a:pPr>
+              <a:t>16</a:t>
+            </a:fld>
+            <a:endParaRPr lang="en-US"/>
+          </a:p>
+        </p:txBody>
+      </p:sp>
+    </p:spTree>
+    <p:extLst>
+      <p:ext uri="{BB962C8B-B14F-4D97-AF65-F5344CB8AC3E}">
+        <p14:creationId xmlns:p14="http://schemas.microsoft.com/office/powerpoint/2010/main" val="3447455729"/>
+      </p:ext>
+    </p:extLst>
+  </p:cSld>
+  <p:clrMapOvr>
+    <a:masterClrMapping/>
+  </p:clrMapOvr>
+</p:sld>
+</file>
+
+<file path=ppt/slides/slide17.xml><?xml version="1.0" encoding="utf-8"?>
+<p:sld xmlns:a="http://schemas.openxmlformats.org/drawingml/2006/main" xmlns:r="http://schemas.openxmlformats.org/officeDocument/2006/relationships" xmlns:p="http://schemas.openxmlformats.org/presentationml/2006/main">
+  <p:cSld>
+    <p:spTree>
+      <p:nvGrpSpPr>
+        <p:cNvPr id="1" name=""/>
+        <p:cNvGrpSpPr/>
+        <p:nvPr/>
+      </p:nvGrpSpPr>
+      <p:grpSpPr>
+        <a:xfrm>
+          <a:off x="0" y="0"/>
+          <a:ext cx="0" cy="0"/>
+          <a:chOff x="0" y="0"/>
+          <a:chExt cx="0" cy="0"/>
+        </a:xfrm>
+      </p:grpSpPr>
+      <p:sp>
+        <p:nvSpPr>
+          <p:cNvPr id="2" name="Title 1">
+            <a:extLst>
+              <a:ext uri="{FF2B5EF4-FFF2-40B4-BE49-F238E27FC236}">
+                <a16:creationId xmlns:a16="http://schemas.microsoft.com/office/drawing/2014/main" id="{95C4675C-6D70-8849-BEA6-D50291B2244E}"/>
+              </a:ext>
+            </a:extLst>
+          </p:cNvPr>
+          <p:cNvSpPr>
+            <a:spLocks noGrp="1"/>
+          </p:cNvSpPr>
+          <p:nvPr>
+            <p:ph type="title"/>
+          </p:nvPr>
+        </p:nvSpPr>
+        <p:spPr/>
+        <p:txBody>
+          <a:bodyPr/>
+          <a:lstStyle/>
+          <a:p>
+            <a:endParaRPr lang="en-US"/>
+          </a:p>
+        </p:txBody>
+      </p:sp>
+      <p:sp>
+        <p:nvSpPr>
+          <p:cNvPr id="3" name="Content Placeholder 2">
+            <a:extLst>
+              <a:ext uri="{FF2B5EF4-FFF2-40B4-BE49-F238E27FC236}">
+                <a16:creationId xmlns:a16="http://schemas.microsoft.com/office/drawing/2014/main" id="{939A2E5E-EBC1-074D-9EEB-DB62CC136FC0}"/>
+              </a:ext>
+            </a:extLst>
+          </p:cNvPr>
+          <p:cNvSpPr>
+            <a:spLocks noGrp="1"/>
+          </p:cNvSpPr>
+          <p:nvPr>
+            <p:ph sz="half" idx="1"/>
+          </p:nvPr>
+        </p:nvSpPr>
+        <p:spPr/>
+        <p:txBody>
+          <a:bodyPr/>
+          <a:lstStyle/>
+          <a:p>
+            <a:endParaRPr lang="en-US"/>
+          </a:p>
+        </p:txBody>
+      </p:sp>
+      <p:sp>
+        <p:nvSpPr>
+          <p:cNvPr id="4" name="Content Placeholder 3">
+            <a:extLst>
+              <a:ext uri="{FF2B5EF4-FFF2-40B4-BE49-F238E27FC236}">
+                <a16:creationId xmlns:a16="http://schemas.microsoft.com/office/drawing/2014/main" id="{FB00B8F9-6B8B-BD4A-B9C8-AAC93233FC4A}"/>
+              </a:ext>
+            </a:extLst>
+          </p:cNvPr>
+          <p:cNvSpPr>
+            <a:spLocks noGrp="1"/>
+          </p:cNvSpPr>
+          <p:nvPr>
+            <p:ph sz="half" idx="2"/>
+          </p:nvPr>
+        </p:nvSpPr>
+        <p:spPr/>
+        <p:txBody>
+          <a:bodyPr/>
+          <a:lstStyle/>
+          <a:p>
+            <a:endParaRPr lang="en-US"/>
+          </a:p>
+        </p:txBody>
+      </p:sp>
+      <p:sp>
+        <p:nvSpPr>
+          <p:cNvPr id="5" name="Slide Number Placeholder 4">
+            <a:extLst>
+              <a:ext uri="{FF2B5EF4-FFF2-40B4-BE49-F238E27FC236}">
+                <a16:creationId xmlns:a16="http://schemas.microsoft.com/office/drawing/2014/main" id="{71A52196-9C58-5A40-81C5-07E9A23EBCB9}"/>
+              </a:ext>
+            </a:extLst>
+          </p:cNvPr>
+          <p:cNvSpPr>
+            <a:spLocks noGrp="1"/>
+          </p:cNvSpPr>
+          <p:nvPr>
+            <p:ph type="sldNum" sz="quarter" idx="12"/>
+          </p:nvPr>
+        </p:nvSpPr>
+        <p:spPr/>
+        <p:txBody>
+          <a:bodyPr/>
+          <a:lstStyle/>
+          <a:p>
+            <a:pPr>
+              <a:defRPr/>
+            </a:pPr>
+            <a:fld id="{EC35E9FC-F6D5-0349-BBED-EA7D7A9BC49B}" type="slidenum">
+              <a:rPr lang="en-US" smtClean="0"/>
+              <a:pPr>
+                <a:defRPr/>
+              </a:pPr>
+              <a:t>17</a:t>
+            </a:fld>
+            <a:endParaRPr lang="en-US"/>
+          </a:p>
+        </p:txBody>
+      </p:sp>
+    </p:spTree>
+    <p:extLst>
+      <p:ext uri="{BB962C8B-B14F-4D97-AF65-F5344CB8AC3E}">
+        <p14:creationId xmlns:p14="http://schemas.microsoft.com/office/powerpoint/2010/main" val="3272347704"/>
+      </p:ext>
+    </p:extLst>
+  </p:cSld>
+  <p:clrMapOvr>
+    <a:masterClrMapping/>
+  </p:clrMapOvr>
+</p:sld>
+</file>
+
+<file path=ppt/slides/slide18.xml><?xml version="1.0" encoding="utf-8"?>
+<p:sld xmlns:a="http://schemas.openxmlformats.org/drawingml/2006/main" xmlns:r="http://schemas.openxmlformats.org/officeDocument/2006/relationships" xmlns:p="http://schemas.openxmlformats.org/presentationml/2006/main">
+  <p:cSld>
+    <p:spTree>
+      <p:nvGrpSpPr>
+        <p:cNvPr id="1" name=""/>
+        <p:cNvGrpSpPr/>
+        <p:nvPr/>
+      </p:nvGrpSpPr>
+      <p:grpSpPr>
+        <a:xfrm>
+          <a:off x="0" y="0"/>
+          <a:ext cx="0" cy="0"/>
+          <a:chOff x="0" y="0"/>
+          <a:chExt cx="0" cy="0"/>
+        </a:xfrm>
+      </p:grpSpPr>
+      <p:sp>
+        <p:nvSpPr>
+          <p:cNvPr id="2" name="Title 1">
+            <a:extLst>
+              <a:ext uri="{FF2B5EF4-FFF2-40B4-BE49-F238E27FC236}">
+                <a16:creationId xmlns:a16="http://schemas.microsoft.com/office/drawing/2014/main" id="{4C8844D7-3313-614F-BF08-E29C8988D7D3}"/>
+              </a:ext>
+            </a:extLst>
+          </p:cNvPr>
+          <p:cNvSpPr>
+            <a:spLocks noGrp="1"/>
+          </p:cNvSpPr>
+          <p:nvPr>
+            <p:ph type="title"/>
+          </p:nvPr>
+        </p:nvSpPr>
+        <p:spPr/>
+        <p:txBody>
+          <a:bodyPr/>
+          <a:lstStyle/>
+          <a:p>
+            <a:endParaRPr lang="en-US"/>
+          </a:p>
+        </p:txBody>
+      </p:sp>
+      <p:sp>
+        <p:nvSpPr>
+          <p:cNvPr id="3" name="Content Placeholder 2">
+            <a:extLst>
+              <a:ext uri="{FF2B5EF4-FFF2-40B4-BE49-F238E27FC236}">
+                <a16:creationId xmlns:a16="http://schemas.microsoft.com/office/drawing/2014/main" id="{25A3494F-CF83-544C-A2AC-27867D4E7D27}"/>
+              </a:ext>
+            </a:extLst>
+          </p:cNvPr>
+          <p:cNvSpPr>
+            <a:spLocks noGrp="1"/>
+          </p:cNvSpPr>
+          <p:nvPr>
+            <p:ph sz="half" idx="1"/>
+          </p:nvPr>
+        </p:nvSpPr>
+        <p:spPr/>
+        <p:txBody>
+          <a:bodyPr/>
+          <a:lstStyle/>
+          <a:p>
+            <a:endParaRPr lang="en-US"/>
+          </a:p>
+        </p:txBody>
+      </p:sp>
+      <p:sp>
+        <p:nvSpPr>
+          <p:cNvPr id="4" name="Content Placeholder 3">
+            <a:extLst>
+              <a:ext uri="{FF2B5EF4-FFF2-40B4-BE49-F238E27FC236}">
+                <a16:creationId xmlns:a16="http://schemas.microsoft.com/office/drawing/2014/main" id="{1789B861-2F2D-614F-A63F-99FD49B1956A}"/>
+              </a:ext>
+            </a:extLst>
+          </p:cNvPr>
+          <p:cNvSpPr>
+            <a:spLocks noGrp="1"/>
+          </p:cNvSpPr>
+          <p:nvPr>
+            <p:ph sz="half" idx="2"/>
+          </p:nvPr>
+        </p:nvSpPr>
+        <p:spPr/>
+        <p:txBody>
+          <a:bodyPr/>
+          <a:lstStyle/>
+          <a:p>
+            <a:endParaRPr lang="en-US"/>
+          </a:p>
+        </p:txBody>
+      </p:sp>
+      <p:sp>
+        <p:nvSpPr>
+          <p:cNvPr id="5" name="Slide Number Placeholder 4">
+            <a:extLst>
+              <a:ext uri="{FF2B5EF4-FFF2-40B4-BE49-F238E27FC236}">
+                <a16:creationId xmlns:a16="http://schemas.microsoft.com/office/drawing/2014/main" id="{ACCC1B08-0311-0F4F-AEAB-6A7CE001F624}"/>
+              </a:ext>
+            </a:extLst>
+          </p:cNvPr>
+          <p:cNvSpPr>
+            <a:spLocks noGrp="1"/>
+          </p:cNvSpPr>
+          <p:nvPr>
+            <p:ph type="sldNum" sz="quarter" idx="12"/>
+          </p:nvPr>
+        </p:nvSpPr>
+        <p:spPr/>
+        <p:txBody>
+          <a:bodyPr/>
+          <a:lstStyle/>
+          <a:p>
+            <a:pPr>
+              <a:defRPr/>
+            </a:pPr>
+            <a:fld id="{EC35E9FC-F6D5-0349-BBED-EA7D7A9BC49B}" type="slidenum">
+              <a:rPr lang="en-US" smtClean="0"/>
+              <a:pPr>
+                <a:defRPr/>
+              </a:pPr>
+              <a:t>18</a:t>
+            </a:fld>
+            <a:endParaRPr lang="en-US"/>
+          </a:p>
+        </p:txBody>
+      </p:sp>
+    </p:spTree>
+    <p:extLst>
+      <p:ext uri="{BB962C8B-B14F-4D97-AF65-F5344CB8AC3E}">
+        <p14:creationId xmlns:p14="http://schemas.microsoft.com/office/powerpoint/2010/main" val="2903710196"/>
       </p:ext>
     </p:extLst>
   </p:cSld>
@@ -3696,6 +5574,44 @@
           <a:bodyPr/>
           <a:lstStyle/>
           <a:p>
+            <a:r>
+              <a:rPr lang="en-US" dirty="0"/>
+              <a:t>Started F/M steels</a:t>
+            </a:r>
+          </a:p>
+        </p:txBody>
+      </p:sp>
+      <p:sp>
+        <p:nvSpPr>
+          <p:cNvPr id="4" name="Slide Number Placeholder 3">
+            <a:extLst>
+              <a:ext uri="{FF2B5EF4-FFF2-40B4-BE49-F238E27FC236}">
+                <a16:creationId xmlns:a16="http://schemas.microsoft.com/office/drawing/2014/main" id="{ED11B753-34BB-F24F-B8F2-0715B045CB8B}"/>
+              </a:ext>
+            </a:extLst>
+          </p:cNvPr>
+          <p:cNvSpPr>
+            <a:spLocks noGrp="1"/>
+          </p:cNvSpPr>
+          <p:nvPr>
+            <p:ph type="sldNum" sz="quarter" idx="12"/>
+          </p:nvPr>
+        </p:nvSpPr>
+        <p:spPr/>
+        <p:txBody>
+          <a:bodyPr/>
+          <a:lstStyle/>
+          <a:p>
+            <a:pPr>
+              <a:defRPr/>
+            </a:pPr>
+            <a:fld id="{3FF2C605-4958-CF43-AA48-80339EFDB0AF}" type="slidenum">
+              <a:rPr lang="en-US" smtClean="0"/>
+              <a:pPr>
+                <a:defRPr/>
+              </a:pPr>
+              <a:t>2</a:t>
+            </a:fld>
             <a:endParaRPr lang="en-US"/>
           </a:p>
         </p:txBody>
@@ -3758,6 +5674,41 @@
           </a:p>
         </p:txBody>
       </p:sp>
+      <p:sp>
+        <p:nvSpPr>
+          <p:cNvPr id="3" name="Slide Number Placeholder 2">
+            <a:extLst>
+              <a:ext uri="{FF2B5EF4-FFF2-40B4-BE49-F238E27FC236}">
+                <a16:creationId xmlns:a16="http://schemas.microsoft.com/office/drawing/2014/main" id="{50FF3F99-A2EC-8344-B500-B79D43EB47F2}"/>
+              </a:ext>
+            </a:extLst>
+          </p:cNvPr>
+          <p:cNvSpPr>
+            <a:spLocks noGrp="1"/>
+          </p:cNvSpPr>
+          <p:nvPr>
+            <p:ph type="sldNum" sz="quarter" idx="12"/>
+          </p:nvPr>
+        </p:nvSpPr>
+        <p:spPr/>
+        <p:txBody>
+          <a:bodyPr/>
+          <a:lstStyle/>
+          <a:p>
+            <a:pPr>
+              <a:defRPr/>
+            </a:pPr>
+            <a:fld id="{0DA6BD0F-ABBC-C14D-BC96-77BE126A748B}" type="slidenum">
+              <a:rPr lang="en-US" smtClean="0"/>
+              <a:pPr>
+                <a:defRPr/>
+              </a:pPr>
+              <a:t>3</a:t>
+            </a:fld>
+            <a:endParaRPr lang="en-US"/>
+          </a:p>
+        </p:txBody>
+      </p:sp>
     </p:spTree>
     <p:extLst>
       <p:ext uri="{BB962C8B-B14F-4D97-AF65-F5344CB8AC3E}">
@@ -3835,7 +5786,7 @@
         <p:spPr>
           <a:xfrm>
             <a:off x="609600" y="1968503"/>
-            <a:ext cx="6109252" cy="4157663"/>
+            <a:ext cx="5486400" cy="4157663"/>
           </a:xfrm>
         </p:spPr>
         <p:txBody>
@@ -3844,13 +5795,13 @@
           <a:p>
             <a:r>
               <a:rPr lang="en-US" sz="2200" dirty="0"/>
-              <a:t>Ferritic steels have these large of monocarbides, which aid in creep resistance</a:t>
+              <a:t>Ferritic steels have these large monocarbides which aid in creep resistance</a:t>
             </a:r>
           </a:p>
           <a:p>
             <a:r>
               <a:rPr lang="en-US" sz="2200" dirty="0"/>
-              <a:t>The lath boundaries are decorated with Cr rich M23C6 precipitates which increase the thermal stability of the steel</a:t>
+              <a:t>The lath boundaries are decorated with Cr rich M23C6 precipitates which increase the thermal stability</a:t>
             </a:r>
           </a:p>
           <a:p>
@@ -3928,8 +5879,8 @@
         </p:nvSpPr>
         <p:spPr>
           <a:xfrm>
-            <a:off x="6718852" y="1968503"/>
-            <a:ext cx="4863548" cy="4157663"/>
+            <a:off x="6096000" y="1968503"/>
+            <a:ext cx="5486400" cy="4157663"/>
           </a:xfrm>
         </p:spPr>
         <p:txBody>
@@ -3944,8 +5895,11 @@
           <a:p>
             <a:r>
               <a:rPr lang="en-US" sz="2200" dirty="0"/>
-              <a:t>The increase in the ductile to brittle transition temperature, DBTT, is known to be related to irradiation hardening, which is generally observed to saturate with fluence</a:t>
-            </a:r>
+              <a:t>For permanent support structures increase in hardening and loss in fracture toughness on irradiation are major issues</a:t>
+            </a:r>
+          </a:p>
+          <a:p>
+            <a:endParaRPr lang="en-US" sz="2200" dirty="0"/>
           </a:p>
           <a:p>
             <a:endParaRPr lang="en-US" sz="2200" dirty="0"/>
@@ -3990,7 +5944,7 @@
           <p:cNvPr id="2" name="Title 1">
             <a:extLst>
               <a:ext uri="{FF2B5EF4-FFF2-40B4-BE49-F238E27FC236}">
-                <a16:creationId xmlns:a16="http://schemas.microsoft.com/office/drawing/2014/main" id="{C22EFB36-5F27-9945-A9D8-87E91B00AB40}"/>
+                <a16:creationId xmlns:a16="http://schemas.microsoft.com/office/drawing/2014/main" id="{3013CC6B-F1FB-4447-AF15-FF8B032C788D}"/>
               </a:ext>
             </a:extLst>
           </p:cNvPr>
@@ -4018,7 +5972,7 @@
           <p:cNvPr id="3" name="Content Placeholder 2">
             <a:extLst>
               <a:ext uri="{FF2B5EF4-FFF2-40B4-BE49-F238E27FC236}">
-                <a16:creationId xmlns:a16="http://schemas.microsoft.com/office/drawing/2014/main" id="{2AED229B-5010-894D-AD9B-45DDBB6265CC}"/>
+                <a16:creationId xmlns:a16="http://schemas.microsoft.com/office/drawing/2014/main" id="{88772E06-77D9-364B-8283-99D567CF7C3C}"/>
               </a:ext>
             </a:extLst>
           </p:cNvPr>
@@ -4029,19 +5983,26 @@
             <p:ph sz="half" idx="1"/>
           </p:nvPr>
         </p:nvSpPr>
-        <p:spPr>
-          <a:xfrm>
-            <a:off x="609599" y="1968504"/>
-            <a:ext cx="10972799" cy="675306"/>
-          </a:xfrm>
-        </p:spPr>
+        <p:spPr/>
         <p:txBody>
           <a:bodyPr/>
           <a:lstStyle/>
           <a:p>
             <a:r>
               <a:rPr lang="en-US" sz="2400" dirty="0"/>
-              <a:t>Extensive evaluation of the embrittlement behavior of the ferritic steels for different chemistry has been performed</a:t>
+              <a:t>The increase in the ductile to brittle transition temperature, DBTT, is known to be related to irradiation hardening, which is generally observed to saturate with fluence</a:t>
+            </a:r>
+          </a:p>
+          <a:p>
+            <a:r>
+              <a:rPr lang="en-US" sz="2400" dirty="0"/>
+              <a:t>Evidence for a possible maximum in DBTT was observed for the 12Cr steel irradiated in the range of 35–100 dpa in the FFTF</a:t>
+            </a:r>
+          </a:p>
+          <a:p>
+            <a:r>
+              <a:rPr lang="en-US" sz="2400" dirty="0"/>
+              <a:t>High fluence and/or high temperature are required before a maximum is observed</a:t>
             </a:r>
           </a:p>
           <a:p>
@@ -4052,44 +6013,58 @@
           </a:p>
         </p:txBody>
       </p:sp>
-      <p:pic>
-        <p:nvPicPr>
-          <p:cNvPr id="6" name="Content Placeholder 5">
+      <p:sp>
+        <p:nvSpPr>
+          <p:cNvPr id="4" name="Content Placeholder 3">
             <a:extLst>
               <a:ext uri="{FF2B5EF4-FFF2-40B4-BE49-F238E27FC236}">
-                <a16:creationId xmlns:a16="http://schemas.microsoft.com/office/drawing/2014/main" id="{4AA7758F-EA61-D64D-9A69-433ECD5CAE13}"/>
+                <a16:creationId xmlns:a16="http://schemas.microsoft.com/office/drawing/2014/main" id="{AEE8E0FA-CDD9-EA42-A30F-7FD9BB0C20E3}"/>
               </a:ext>
             </a:extLst>
           </p:cNvPr>
-          <p:cNvPicPr>
-            <a:picLocks noGrp="1" noChangeAspect="1"/>
-          </p:cNvPicPr>
+          <p:cNvSpPr>
+            <a:spLocks noGrp="1"/>
+          </p:cNvSpPr>
           <p:nvPr>
             <p:ph sz="half" idx="2"/>
           </p:nvPr>
-        </p:nvPicPr>
-        <p:blipFill>
-          <a:blip r:embed="rId2"/>
-          <a:stretch>
-            <a:fillRect/>
-          </a:stretch>
-        </p:blipFill>
-        <p:spPr>
-          <a:xfrm>
-            <a:off x="3001341" y="2723321"/>
-            <a:ext cx="6242049" cy="4106611"/>
-          </a:xfrm>
-          <a:prstGeom prst="rect">
-            <a:avLst/>
-          </a:prstGeom>
-        </p:spPr>
-      </p:pic>
+        </p:nvSpPr>
+        <p:spPr/>
+        <p:txBody>
+          <a:bodyPr/>
+          <a:lstStyle/>
+          <a:p>
+            <a:r>
+              <a:rPr lang="en-US" sz="2400" dirty="0"/>
+              <a:t>Thus, these properties are a balance between the point defect production and irradiation-induced precipitation</a:t>
+            </a:r>
+          </a:p>
+          <a:p>
+            <a:r>
+              <a:rPr lang="en-US" sz="2400" dirty="0"/>
+              <a:t>The precipitation during irradiation hardens the steel and irradiation accelerated recovery and aging soften the steel</a:t>
+            </a:r>
+          </a:p>
+          <a:p>
+            <a:r>
+              <a:rPr lang="en-US" sz="2400" dirty="0"/>
+              <a:t>The high temperature recovery produces an observable saturation in hardening above ~720K</a:t>
+            </a:r>
+          </a:p>
+          <a:p>
+            <a:endParaRPr lang="en-US" sz="2400" dirty="0"/>
+          </a:p>
+          <a:p>
+            <a:endParaRPr lang="en-US" sz="2400" dirty="0"/>
+          </a:p>
+        </p:txBody>
+      </p:sp>
       <p:sp>
         <p:nvSpPr>
           <p:cNvPr id="5" name="Slide Number Placeholder 4">
             <a:extLst>
               <a:ext uri="{FF2B5EF4-FFF2-40B4-BE49-F238E27FC236}">
-                <a16:creationId xmlns:a16="http://schemas.microsoft.com/office/drawing/2014/main" id="{C3DA07E5-1A72-BA4B-9D53-E645004492FB}"/>
+                <a16:creationId xmlns:a16="http://schemas.microsoft.com/office/drawing/2014/main" id="{DC2A1F7A-3BD7-C749-917F-F73AC6BE57B8}"/>
               </a:ext>
             </a:extLst>
           </p:cNvPr>
@@ -4122,7 +6097,7 @@
     </p:spTree>
     <p:extLst>
       <p:ext uri="{BB962C8B-B14F-4D97-AF65-F5344CB8AC3E}">
-        <p14:creationId xmlns:p14="http://schemas.microsoft.com/office/powerpoint/2010/main" val="1788869259"/>
+        <p14:creationId xmlns:p14="http://schemas.microsoft.com/office/powerpoint/2010/main" val="1253541036"/>
       </p:ext>
     </p:extLst>
   </p:cSld>
@@ -4154,7 +6129,7 @@
           <p:cNvPr id="2" name="Title 1">
             <a:extLst>
               <a:ext uri="{FF2B5EF4-FFF2-40B4-BE49-F238E27FC236}">
-                <a16:creationId xmlns:a16="http://schemas.microsoft.com/office/drawing/2014/main" id="{79C9C908-B441-C042-B1DC-FAE47D63AE80}"/>
+                <a16:creationId xmlns:a16="http://schemas.microsoft.com/office/drawing/2014/main" id="{9E775912-6BA9-9A4E-BCEE-0B889960066A}"/>
               </a:ext>
             </a:extLst>
           </p:cNvPr>
@@ -4170,7 +6145,10 @@
           <a:bodyPr/>
           <a:lstStyle/>
           <a:p>
-            <a:endParaRPr lang="en-US"/>
+            <a:r>
+              <a:rPr lang="en-US" dirty="0"/>
+              <a:t>DBTT</a:t>
+            </a:r>
           </a:p>
         </p:txBody>
       </p:sp>
@@ -4179,7 +6157,7 @@
           <p:cNvPr id="3" name="Content Placeholder 2">
             <a:extLst>
               <a:ext uri="{FF2B5EF4-FFF2-40B4-BE49-F238E27FC236}">
-                <a16:creationId xmlns:a16="http://schemas.microsoft.com/office/drawing/2014/main" id="{3A6B5EDB-1E2B-C14E-BB60-26F47B09306C}"/>
+                <a16:creationId xmlns:a16="http://schemas.microsoft.com/office/drawing/2014/main" id="{55BB1315-1242-ED45-A23B-C827F0BD8C5C}"/>
               </a:ext>
             </a:extLst>
           </p:cNvPr>
@@ -4195,7 +6173,28 @@
           <a:bodyPr/>
           <a:lstStyle/>
           <a:p>
-            <a:endParaRPr lang="en-US"/>
+            <a:r>
+              <a:rPr lang="en-US" sz="2400" dirty="0"/>
+              <a:t>BCC materials can undergo significant increase in the DBTT at low T for even 1 dpa</a:t>
+            </a:r>
+          </a:p>
+          <a:p>
+            <a:r>
+              <a:rPr lang="en-US" sz="2400" dirty="0"/>
+              <a:t>The minimum operating temperature to avoid embrittlement F/M steels is ~500 K</a:t>
+            </a:r>
+          </a:p>
+          <a:p>
+            <a:r>
+              <a:rPr lang="en-US" sz="2400" dirty="0"/>
+              <a:t>Extensive evaluation of the embrittlement behavior of the ferritic steels for different chemistry has been performed</a:t>
+            </a:r>
+          </a:p>
+          <a:p>
+            <a:endParaRPr lang="en-US" sz="2400" dirty="0"/>
+          </a:p>
+          <a:p>
+            <a:endParaRPr lang="en-US" sz="2400" dirty="0"/>
           </a:p>
         </p:txBody>
       </p:sp>
@@ -4204,7 +6203,7 @@
           <p:cNvPr id="4" name="Content Placeholder 3">
             <a:extLst>
               <a:ext uri="{FF2B5EF4-FFF2-40B4-BE49-F238E27FC236}">
-                <a16:creationId xmlns:a16="http://schemas.microsoft.com/office/drawing/2014/main" id="{2E374CF8-829D-8646-AA82-DB6399FB7609}"/>
+                <a16:creationId xmlns:a16="http://schemas.microsoft.com/office/drawing/2014/main" id="{162A32D1-59CE-AA48-BB68-F61A503580B4}"/>
               </a:ext>
             </a:extLst>
           </p:cNvPr>
@@ -4220,6 +6219,59 @@
           <a:bodyPr/>
           <a:lstStyle/>
           <a:p>
+            <a:r>
+              <a:rPr lang="en-US" sz="2400" dirty="0"/>
+              <a:t>Compositions around 9Cr show the least change in the DBTT</a:t>
+            </a:r>
+          </a:p>
+          <a:p>
+            <a:r>
+              <a:rPr lang="en-US" sz="2400" dirty="0"/>
+              <a:t>Chemical variation affects on DBTT changes has been thoroughly studied </a:t>
+            </a:r>
+          </a:p>
+          <a:p>
+            <a:r>
+              <a:rPr lang="en-US" sz="2400" dirty="0"/>
+              <a:t>Addition of phosphorous, copper, vanadium, aluminum, and silicon increase the DBTT</a:t>
+            </a:r>
+          </a:p>
+          <a:p>
+            <a:endParaRPr lang="en-US" sz="2400" dirty="0"/>
+          </a:p>
+        </p:txBody>
+      </p:sp>
+      <p:sp>
+        <p:nvSpPr>
+          <p:cNvPr id="5" name="Slide Number Placeholder 4">
+            <a:extLst>
+              <a:ext uri="{FF2B5EF4-FFF2-40B4-BE49-F238E27FC236}">
+                <a16:creationId xmlns:a16="http://schemas.microsoft.com/office/drawing/2014/main" id="{96D2E07A-E20A-334B-A600-D77065E88C34}"/>
+              </a:ext>
+            </a:extLst>
+          </p:cNvPr>
+          <p:cNvSpPr>
+            <a:spLocks noGrp="1"/>
+          </p:cNvSpPr>
+          <p:nvPr>
+            <p:ph type="sldNum" sz="quarter" idx="12"/>
+          </p:nvPr>
+        </p:nvSpPr>
+        <p:spPr/>
+        <p:txBody>
+          <a:bodyPr/>
+          <a:lstStyle/>
+          <a:p>
+            <a:pPr>
+              <a:defRPr/>
+            </a:pPr>
+            <a:fld id="{EC35E9FC-F6D5-0349-BBED-EA7D7A9BC49B}" type="slidenum">
+              <a:rPr lang="en-US" smtClean="0"/>
+              <a:pPr>
+                <a:defRPr/>
+              </a:pPr>
+              <a:t>6</a:t>
+            </a:fld>
             <a:endParaRPr lang="en-US"/>
           </a:p>
         </p:txBody>
@@ -4227,7 +6279,7 @@
     </p:spTree>
     <p:extLst>
       <p:ext uri="{BB962C8B-B14F-4D97-AF65-F5344CB8AC3E}">
-        <p14:creationId xmlns:p14="http://schemas.microsoft.com/office/powerpoint/2010/main" val="1263671707"/>
+        <p14:creationId xmlns:p14="http://schemas.microsoft.com/office/powerpoint/2010/main" val="1695206764"/>
       </p:ext>
     </p:extLst>
   </p:cSld>
@@ -4259,7 +6311,7 @@
           <p:cNvPr id="2" name="Title 1">
             <a:extLst>
               <a:ext uri="{FF2B5EF4-FFF2-40B4-BE49-F238E27FC236}">
-                <a16:creationId xmlns:a16="http://schemas.microsoft.com/office/drawing/2014/main" id="{297947CF-EAEA-5F40-93E5-30922295C42A}"/>
+                <a16:creationId xmlns:a16="http://schemas.microsoft.com/office/drawing/2014/main" id="{C22EFB36-5F27-9945-A9D8-87E91B00AB40}"/>
               </a:ext>
             </a:extLst>
           </p:cNvPr>
@@ -4277,15 +6329,174 @@
           <a:p>
             <a:r>
               <a:rPr lang="en-US" dirty="0"/>
-              <a:t>ODS Steels</a:t>
-            </a:r>
+              <a:t>DBTT</a:t>
+            </a:r>
+          </a:p>
+        </p:txBody>
+      </p:sp>
+      <p:sp>
+        <p:nvSpPr>
+          <p:cNvPr id="3" name="Content Placeholder 2">
+            <a:extLst>
+              <a:ext uri="{FF2B5EF4-FFF2-40B4-BE49-F238E27FC236}">
+                <a16:creationId xmlns:a16="http://schemas.microsoft.com/office/drawing/2014/main" id="{2AED229B-5010-894D-AD9B-45DDBB6265CC}"/>
+              </a:ext>
+            </a:extLst>
+          </p:cNvPr>
+          <p:cNvSpPr>
+            <a:spLocks noGrp="1"/>
+          </p:cNvSpPr>
+          <p:nvPr>
+            <p:ph sz="half" idx="1"/>
+          </p:nvPr>
+        </p:nvSpPr>
+        <p:spPr>
+          <a:xfrm>
+            <a:off x="609599" y="1968504"/>
+            <a:ext cx="10972799" cy="675306"/>
+          </a:xfrm>
+        </p:spPr>
+        <p:txBody>
+          <a:bodyPr/>
+          <a:lstStyle/>
+          <a:p>
+            <a:endParaRPr lang="en-US" sz="2400" dirty="0"/>
+          </a:p>
+          <a:p>
+            <a:endParaRPr lang="en-US" sz="2400" dirty="0"/>
+          </a:p>
+        </p:txBody>
+      </p:sp>
+      <p:pic>
+        <p:nvPicPr>
+          <p:cNvPr id="6" name="Content Placeholder 5">
+            <a:extLst>
+              <a:ext uri="{FF2B5EF4-FFF2-40B4-BE49-F238E27FC236}">
+                <a16:creationId xmlns:a16="http://schemas.microsoft.com/office/drawing/2014/main" id="{4AA7758F-EA61-D64D-9A69-433ECD5CAE13}"/>
+              </a:ext>
+            </a:extLst>
+          </p:cNvPr>
+          <p:cNvPicPr>
+            <a:picLocks noGrp="1" noChangeAspect="1"/>
+          </p:cNvPicPr>
+          <p:nvPr>
+            <p:ph sz="half" idx="2"/>
+          </p:nvPr>
+        </p:nvPicPr>
+        <p:blipFill>
+          <a:blip r:embed="rId2"/>
+          <a:stretch>
+            <a:fillRect/>
+          </a:stretch>
+        </p:blipFill>
+        <p:spPr>
+          <a:xfrm>
+            <a:off x="5140747" y="1858589"/>
+            <a:ext cx="6649707" cy="4374807"/>
+          </a:xfrm>
+          <a:prstGeom prst="rect">
+            <a:avLst/>
+          </a:prstGeom>
+        </p:spPr>
+      </p:pic>
+      <p:sp>
+        <p:nvSpPr>
+          <p:cNvPr id="5" name="Slide Number Placeholder 4">
+            <a:extLst>
+              <a:ext uri="{FF2B5EF4-FFF2-40B4-BE49-F238E27FC236}">
+                <a16:creationId xmlns:a16="http://schemas.microsoft.com/office/drawing/2014/main" id="{C3DA07E5-1A72-BA4B-9D53-E645004492FB}"/>
+              </a:ext>
+            </a:extLst>
+          </p:cNvPr>
+          <p:cNvSpPr>
+            <a:spLocks noGrp="1"/>
+          </p:cNvSpPr>
+          <p:nvPr>
+            <p:ph type="sldNum" sz="quarter" idx="12"/>
+          </p:nvPr>
+        </p:nvSpPr>
+        <p:spPr/>
+        <p:txBody>
+          <a:bodyPr/>
+          <a:lstStyle/>
+          <a:p>
+            <a:pPr>
+              <a:defRPr/>
+            </a:pPr>
+            <a:fld id="{EC35E9FC-F6D5-0349-BBED-EA7D7A9BC49B}" type="slidenum">
+              <a:rPr lang="en-US" smtClean="0"/>
+              <a:pPr>
+                <a:defRPr/>
+              </a:pPr>
+              <a:t>7</a:t>
+            </a:fld>
+            <a:endParaRPr lang="en-US"/>
+          </a:p>
+        </p:txBody>
+      </p:sp>
+      <p:sp>
+        <p:nvSpPr>
+          <p:cNvPr id="4" name="Rectangle 3">
+            <a:extLst>
+              <a:ext uri="{FF2B5EF4-FFF2-40B4-BE49-F238E27FC236}">
+                <a16:creationId xmlns:a16="http://schemas.microsoft.com/office/drawing/2014/main" id="{AA200EEA-4B75-BA40-9560-513E09DD8A59}"/>
+              </a:ext>
+            </a:extLst>
+          </p:cNvPr>
+          <p:cNvSpPr/>
+          <p:nvPr/>
+        </p:nvSpPr>
+        <p:spPr>
+          <a:xfrm>
+            <a:off x="817656" y="1968501"/>
+            <a:ext cx="3906979" cy="4154984"/>
+          </a:xfrm>
+          <a:prstGeom prst="rect">
+            <a:avLst/>
+          </a:prstGeom>
+        </p:spPr>
+        <p:txBody>
+          <a:bodyPr wrap="square">
+            <a:spAutoFit/>
+          </a:bodyPr>
+          <a:lstStyle/>
+          <a:p>
+            <a:pPr marL="342900" indent="-342900">
+              <a:buFont typeface="Arial" panose="020B0604020202020204" pitchFamily="34" charset="0"/>
+              <a:buChar char="•"/>
+            </a:pPr>
+            <a:r>
+              <a:rPr lang="en-US" sz="2400" dirty="0">
+                <a:latin typeface="Arial" panose="020B0604020202020204" pitchFamily="34" charset="0"/>
+                <a:cs typeface="Arial" panose="020B0604020202020204" pitchFamily="34" charset="0"/>
+              </a:rPr>
+              <a:t>The 12Cr steels, HT9, show a larger shift in DBTT as compared to modified 9Cr–1Mo steel </a:t>
+            </a:r>
+          </a:p>
+          <a:p>
+            <a:pPr marL="342900" indent="-342900">
+              <a:buFont typeface="Arial" panose="020B0604020202020204" pitchFamily="34" charset="0"/>
+              <a:buChar char="•"/>
+            </a:pPr>
+            <a:r>
+              <a:rPr lang="en-US" sz="2400" dirty="0">
+                <a:latin typeface="Arial" panose="020B0604020202020204" pitchFamily="34" charset="0"/>
+                <a:cs typeface="Arial" panose="020B0604020202020204" pitchFamily="34" charset="0"/>
+              </a:rPr>
+              <a:t>The balance is always between nearly nil swelling resistant 12Cr steels and 9Cr steel which is less prone to embrittlement than 12Cr steels</a:t>
+            </a:r>
+            <a:endParaRPr lang="en-US" sz="2400" dirty="0">
+              <a:effectLst/>
+              <a:latin typeface="Arial" panose="020B0604020202020204" pitchFamily="34" charset="0"/>
+              <a:cs typeface="Arial" panose="020B0604020202020204" pitchFamily="34" charset="0"/>
+            </a:endParaRPr>
           </a:p>
         </p:txBody>
       </p:sp>
     </p:spTree>
     <p:extLst>
       <p:ext uri="{BB962C8B-B14F-4D97-AF65-F5344CB8AC3E}">
-        <p14:creationId xmlns:p14="http://schemas.microsoft.com/office/powerpoint/2010/main" val="492761036"/>
+        <p14:creationId xmlns:p14="http://schemas.microsoft.com/office/powerpoint/2010/main" val="1788869259"/>
       </p:ext>
     </p:extLst>
   </p:cSld>
@@ -4317,7 +6528,7 @@
           <p:cNvPr id="2" name="Title 1">
             <a:extLst>
               <a:ext uri="{FF2B5EF4-FFF2-40B4-BE49-F238E27FC236}">
-                <a16:creationId xmlns:a16="http://schemas.microsoft.com/office/drawing/2014/main" id="{E2B2EFF1-D86A-9043-9DBF-CC557BE28211}"/>
+                <a16:creationId xmlns:a16="http://schemas.microsoft.com/office/drawing/2014/main" id="{79C9C908-B441-C042-B1DC-FAE47D63AE80}"/>
               </a:ext>
             </a:extLst>
           </p:cNvPr>
@@ -4335,7 +6546,7 @@
           <a:p>
             <a:r>
               <a:rPr lang="en-US" dirty="0"/>
-              <a:t>Oxide Dispersion Strengthened</a:t>
+              <a:t>Features affecting Embrittlement</a:t>
             </a:r>
           </a:p>
         </p:txBody>
@@ -4345,7 +6556,7 @@
           <p:cNvPr id="3" name="Content Placeholder 2">
             <a:extLst>
               <a:ext uri="{FF2B5EF4-FFF2-40B4-BE49-F238E27FC236}">
-                <a16:creationId xmlns:a16="http://schemas.microsoft.com/office/drawing/2014/main" id="{BEDF9206-A5F1-E340-BC97-968E031DD65B}"/>
+                <a16:creationId xmlns:a16="http://schemas.microsoft.com/office/drawing/2014/main" id="{3A6B5EDB-1E2B-C14E-BB60-26F47B09306C}"/>
               </a:ext>
             </a:extLst>
           </p:cNvPr>
@@ -4361,46 +6572,252 @@
           <a:bodyPr/>
           <a:lstStyle/>
           <a:p>
-            <a:endParaRPr lang="en-US"/>
-          </a:p>
-        </p:txBody>
-      </p:sp>
-      <p:pic>
-        <p:nvPicPr>
-          <p:cNvPr id="5" name="Content Placeholder 4">
+            <a:r>
+              <a:rPr lang="en-US" sz="2400" dirty="0"/>
+              <a:t>There are a number of microstructural features that can impact the embrittlement of F/M steels</a:t>
+            </a:r>
+          </a:p>
+          <a:p>
+            <a:r>
+              <a:rPr lang="en-US" sz="2400" dirty="0"/>
+              <a:t>Prior austenite grain size (PAGS)</a:t>
+            </a:r>
+          </a:p>
+          <a:p>
+            <a:r>
+              <a:rPr lang="en-US" sz="2400" dirty="0"/>
+              <a:t>The size of martensitic lath and packet (which is sensitive to </a:t>
+            </a:r>
+            <a:r>
+              <a:rPr lang="en-US" sz="2400" dirty="0" err="1"/>
+              <a:t>austenitization</a:t>
+            </a:r>
+            <a:r>
+              <a:rPr lang="en-US" sz="2400" dirty="0"/>
+              <a:t> temperature)</a:t>
+            </a:r>
+          </a:p>
+          <a:p>
+            <a:endParaRPr lang="en-US" sz="2400" dirty="0"/>
+          </a:p>
+        </p:txBody>
+      </p:sp>
+      <p:sp>
+        <p:nvSpPr>
+          <p:cNvPr id="4" name="Content Placeholder 3">
             <a:extLst>
               <a:ext uri="{FF2B5EF4-FFF2-40B4-BE49-F238E27FC236}">
-                <a16:creationId xmlns:a16="http://schemas.microsoft.com/office/drawing/2014/main" id="{7B849E46-8EA4-A344-818B-2212F7BFF9D9}"/>
+                <a16:creationId xmlns:a16="http://schemas.microsoft.com/office/drawing/2014/main" id="{2E374CF8-829D-8646-AA82-DB6399FB7609}"/>
               </a:ext>
             </a:extLst>
           </p:cNvPr>
-          <p:cNvPicPr>
-            <a:picLocks noGrp="1" noChangeAspect="1"/>
-          </p:cNvPicPr>
+          <p:cNvSpPr>
+            <a:spLocks noGrp="1"/>
+          </p:cNvSpPr>
           <p:nvPr>
             <p:ph sz="half" idx="2"/>
           </p:nvPr>
-        </p:nvPicPr>
-        <p:blipFill>
-          <a:blip r:embed="rId2"/>
-          <a:stretch>
-            <a:fillRect/>
-          </a:stretch>
-        </p:blipFill>
-        <p:spPr>
-          <a:xfrm>
-            <a:off x="6788150" y="2986881"/>
-            <a:ext cx="4203700" cy="2120900"/>
-          </a:xfrm>
-          <a:prstGeom prst="rect">
-            <a:avLst/>
-          </a:prstGeom>
-        </p:spPr>
-      </p:pic>
+        </p:nvSpPr>
+        <p:spPr/>
+        <p:txBody>
+          <a:bodyPr/>
+          <a:lstStyle/>
+          <a:p>
+            <a:r>
+              <a:rPr lang="en-US" sz="2400" dirty="0"/>
+              <a:t>Tempering/annealing, which can increase carbide precipitate size</a:t>
+            </a:r>
+          </a:p>
+          <a:p>
+            <a:r>
+              <a:rPr lang="en-US" sz="2400" dirty="0"/>
+              <a:t>The generation of helium through (</a:t>
+            </a:r>
+            <a:r>
+              <a:rPr lang="en-US" sz="2400" dirty="0" err="1"/>
+              <a:t>n,alpha</a:t>
+            </a:r>
+            <a:r>
+              <a:rPr lang="en-US" sz="2400" dirty="0"/>
+              <a:t>) reaction</a:t>
+            </a:r>
+          </a:p>
+          <a:p>
+            <a:r>
+              <a:rPr lang="en-US" sz="2400" dirty="0"/>
+              <a:t>For low thickness components, the triaxial stress necessary for the embrittlement does not develop, which reduces the intensity of this otherwise serious problem of embrittlement in ferritic steels</a:t>
+            </a:r>
+          </a:p>
+          <a:p>
+            <a:endParaRPr lang="en-US" sz="2400" dirty="0"/>
+          </a:p>
+          <a:p>
+            <a:endParaRPr lang="en-US" sz="2400" dirty="0"/>
+          </a:p>
+        </p:txBody>
+      </p:sp>
+      <p:sp>
+        <p:nvSpPr>
+          <p:cNvPr id="5" name="Slide Number Placeholder 4">
+            <a:extLst>
+              <a:ext uri="{FF2B5EF4-FFF2-40B4-BE49-F238E27FC236}">
+                <a16:creationId xmlns:a16="http://schemas.microsoft.com/office/drawing/2014/main" id="{218C01C1-C6FE-CA4B-8377-D8FCF9F8FC20}"/>
+              </a:ext>
+            </a:extLst>
+          </p:cNvPr>
+          <p:cNvSpPr>
+            <a:spLocks noGrp="1"/>
+          </p:cNvSpPr>
+          <p:nvPr>
+            <p:ph type="sldNum" sz="quarter" idx="12"/>
+          </p:nvPr>
+        </p:nvSpPr>
+        <p:spPr/>
+        <p:txBody>
+          <a:bodyPr/>
+          <a:lstStyle/>
+          <a:p>
+            <a:pPr>
+              <a:defRPr/>
+            </a:pPr>
+            <a:fld id="{EC35E9FC-F6D5-0349-BBED-EA7D7A9BC49B}" type="slidenum">
+              <a:rPr lang="en-US" smtClean="0"/>
+              <a:pPr>
+                <a:defRPr/>
+              </a:pPr>
+              <a:t>8</a:t>
+            </a:fld>
+            <a:endParaRPr lang="en-US"/>
+          </a:p>
+        </p:txBody>
+      </p:sp>
     </p:spTree>
     <p:extLst>
       <p:ext uri="{BB962C8B-B14F-4D97-AF65-F5344CB8AC3E}">
-        <p14:creationId xmlns:p14="http://schemas.microsoft.com/office/powerpoint/2010/main" val="684216076"/>
+        <p14:creationId xmlns:p14="http://schemas.microsoft.com/office/powerpoint/2010/main" val="1263671707"/>
+      </p:ext>
+    </p:extLst>
+  </p:cSld>
+  <p:clrMapOvr>
+    <a:masterClrMapping/>
+  </p:clrMapOvr>
+</p:sld>
+</file>
+
+<file path=ppt/slides/slide9.xml><?xml version="1.0" encoding="utf-8"?>
+<p:sld xmlns:a="http://schemas.openxmlformats.org/drawingml/2006/main" xmlns:r="http://schemas.openxmlformats.org/officeDocument/2006/relationships" xmlns:p="http://schemas.openxmlformats.org/presentationml/2006/main">
+  <p:cSld>
+    <p:spTree>
+      <p:nvGrpSpPr>
+        <p:cNvPr id="1" name=""/>
+        <p:cNvGrpSpPr/>
+        <p:nvPr/>
+      </p:nvGrpSpPr>
+      <p:grpSpPr>
+        <a:xfrm>
+          <a:off x="0" y="0"/>
+          <a:ext cx="0" cy="0"/>
+          <a:chOff x="0" y="0"/>
+          <a:chExt cx="0" cy="0"/>
+        </a:xfrm>
+      </p:grpSpPr>
+      <p:sp>
+        <p:nvSpPr>
+          <p:cNvPr id="2" name="Title 1">
+            <a:extLst>
+              <a:ext uri="{FF2B5EF4-FFF2-40B4-BE49-F238E27FC236}">
+                <a16:creationId xmlns:a16="http://schemas.microsoft.com/office/drawing/2014/main" id="{5A8782AE-F905-1F42-9B38-0484D4D42D02}"/>
+              </a:ext>
+            </a:extLst>
+          </p:cNvPr>
+          <p:cNvSpPr>
+            <a:spLocks noGrp="1"/>
+          </p:cNvSpPr>
+          <p:nvPr>
+            <p:ph type="title"/>
+          </p:nvPr>
+        </p:nvSpPr>
+        <p:spPr/>
+        <p:txBody>
+          <a:bodyPr/>
+          <a:lstStyle/>
+          <a:p>
+            <a:r>
+              <a:rPr lang="en-US" dirty="0"/>
+              <a:t>Ferritic/Martensitic Steels Summary</a:t>
+            </a:r>
+          </a:p>
+        </p:txBody>
+      </p:sp>
+      <p:sp>
+        <p:nvSpPr>
+          <p:cNvPr id="3" name="Content Placeholder 2">
+            <a:extLst>
+              <a:ext uri="{FF2B5EF4-FFF2-40B4-BE49-F238E27FC236}">
+                <a16:creationId xmlns:a16="http://schemas.microsoft.com/office/drawing/2014/main" id="{81C1D3F2-DAFA-E244-BA1F-1125BFB58573}"/>
+              </a:ext>
+            </a:extLst>
+          </p:cNvPr>
+          <p:cNvSpPr>
+            <a:spLocks noGrp="1"/>
+          </p:cNvSpPr>
+          <p:nvPr>
+            <p:ph sz="half" idx="1"/>
+          </p:nvPr>
+        </p:nvSpPr>
+        <p:spPr>
+          <a:xfrm>
+            <a:off x="609600" y="1968503"/>
+            <a:ext cx="10972800" cy="4157663"/>
+          </a:xfrm>
+        </p:spPr>
+        <p:txBody>
+          <a:bodyPr/>
+          <a:lstStyle/>
+          <a:p>
+            <a:endParaRPr lang="en-US" dirty="0"/>
+          </a:p>
+        </p:txBody>
+      </p:sp>
+      <p:sp>
+        <p:nvSpPr>
+          <p:cNvPr id="5" name="Slide Number Placeholder 4">
+            <a:extLst>
+              <a:ext uri="{FF2B5EF4-FFF2-40B4-BE49-F238E27FC236}">
+                <a16:creationId xmlns:a16="http://schemas.microsoft.com/office/drawing/2014/main" id="{F198D1E3-E8A5-4544-9EA4-0F74B41B0747}"/>
+              </a:ext>
+            </a:extLst>
+          </p:cNvPr>
+          <p:cNvSpPr>
+            <a:spLocks noGrp="1"/>
+          </p:cNvSpPr>
+          <p:nvPr>
+            <p:ph type="sldNum" sz="quarter" idx="12"/>
+          </p:nvPr>
+        </p:nvSpPr>
+        <p:spPr/>
+        <p:txBody>
+          <a:bodyPr/>
+          <a:lstStyle/>
+          <a:p>
+            <a:pPr>
+              <a:defRPr/>
+            </a:pPr>
+            <a:fld id="{EC35E9FC-F6D5-0349-BBED-EA7D7A9BC49B}" type="slidenum">
+              <a:rPr lang="en-US" smtClean="0"/>
+              <a:pPr>
+                <a:defRPr/>
+              </a:pPr>
+              <a:t>9</a:t>
+            </a:fld>
+            <a:endParaRPr lang="en-US"/>
+          </a:p>
+        </p:txBody>
+      </p:sp>
+    </p:spTree>
+    <p:extLst>
+      <p:ext uri="{BB962C8B-B14F-4D97-AF65-F5344CB8AC3E}">
+        <p14:creationId xmlns:p14="http://schemas.microsoft.com/office/powerpoint/2010/main" val="3588340966"/>
       </p:ext>
     </p:extLst>
   </p:cSld>
@@ -4728,4 +7145,299 @@
   </a:objectDefaults>
   <a:extraClrSchemeLst/>
 </a:theme>
+</file>
+
+<file path=ppt/theme/theme2.xml><?xml version="1.0" encoding="utf-8"?>
+<a:theme xmlns:a="http://schemas.openxmlformats.org/drawingml/2006/main" name="Office Theme">
+  <a:themeElements>
+    <a:clrScheme name="Office">
+      <a:dk1>
+        <a:sysClr val="windowText" lastClr="000000"/>
+      </a:dk1>
+      <a:lt1>
+        <a:sysClr val="window" lastClr="FFFFFF"/>
+      </a:lt1>
+      <a:dk2>
+        <a:srgbClr val="44546A"/>
+      </a:dk2>
+      <a:lt2>
+        <a:srgbClr val="E7E6E6"/>
+      </a:lt2>
+      <a:accent1>
+        <a:srgbClr val="4472C4"/>
+      </a:accent1>
+      <a:accent2>
+        <a:srgbClr val="ED7D31"/>
+      </a:accent2>
+      <a:accent3>
+        <a:srgbClr val="A5A5A5"/>
+      </a:accent3>
+      <a:accent4>
+        <a:srgbClr val="FFC000"/>
+      </a:accent4>
+      <a:accent5>
+        <a:srgbClr val="5B9BD5"/>
+      </a:accent5>
+      <a:accent6>
+        <a:srgbClr val="70AD47"/>
+      </a:accent6>
+      <a:hlink>
+        <a:srgbClr val="0563C1"/>
+      </a:hlink>
+      <a:folHlink>
+        <a:srgbClr val="954F72"/>
+      </a:folHlink>
+    </a:clrScheme>
+    <a:fontScheme name="Office">
+      <a:majorFont>
+        <a:latin typeface="Calibri Light" panose="020F0302020204030204"/>
+        <a:ea typeface=""/>
+        <a:cs typeface=""/>
+        <a:font script="Jpan" typeface="游ゴシック Light"/>
+        <a:font script="Hang" typeface="맑은 고딕"/>
+        <a:font script="Hans" typeface="等线 Light"/>
+        <a:font script="Hant" typeface="新細明體"/>
+        <a:font script="Arab" typeface="Times New Roman"/>
+        <a:font script="Hebr" typeface="Times New Roman"/>
+        <a:font script="Thai" typeface="Angsana New"/>
+        <a:font script="Ethi" typeface="Nyala"/>
+        <a:font script="Beng" typeface="Vrinda"/>
+        <a:font script="Gujr" typeface="Shruti"/>
+        <a:font script="Khmr" typeface="MoolBoran"/>
+        <a:font script="Knda" typeface="Tunga"/>
+        <a:font script="Guru" typeface="Raavi"/>
+        <a:font script="Cans" typeface="Euphemia"/>
+        <a:font script="Cher" typeface="Plantagenet Cherokee"/>
+        <a:font script="Yiii" typeface="Microsoft Yi Baiti"/>
+        <a:font script="Tibt" typeface="Microsoft Himalaya"/>
+        <a:font script="Thaa" typeface="MV Boli"/>
+        <a:font script="Deva" typeface="Mangal"/>
+        <a:font script="Telu" typeface="Gautami"/>
+        <a:font script="Taml" typeface="Latha"/>
+        <a:font script="Syrc" typeface="Estrangelo Edessa"/>
+        <a:font script="Orya" typeface="Kalinga"/>
+        <a:font script="Mlym" typeface="Kartika"/>
+        <a:font script="Laoo" typeface="DokChampa"/>
+        <a:font script="Sinh" typeface="Iskoola Pota"/>
+        <a:font script="Mong" typeface="Mongolian Baiti"/>
+        <a:font script="Viet" typeface="Times New Roman"/>
+        <a:font script="Uigh" typeface="Microsoft Uighur"/>
+        <a:font script="Geor" typeface="Sylfaen"/>
+        <a:font script="Armn" typeface="Arial"/>
+        <a:font script="Bugi" typeface="Leelawadee UI"/>
+        <a:font script="Bopo" typeface="Microsoft JhengHei"/>
+        <a:font script="Java" typeface="Javanese Text"/>
+        <a:font script="Lisu" typeface="Segoe UI"/>
+        <a:font script="Mymr" typeface="Myanmar Text"/>
+        <a:font script="Nkoo" typeface="Ebrima"/>
+        <a:font script="Olck" typeface="Nirmala UI"/>
+        <a:font script="Osma" typeface="Ebrima"/>
+        <a:font script="Phag" typeface="Phagspa"/>
+        <a:font script="Syrn" typeface="Estrangelo Edessa"/>
+        <a:font script="Syrj" typeface="Estrangelo Edessa"/>
+        <a:font script="Syre" typeface="Estrangelo Edessa"/>
+        <a:font script="Sora" typeface="Nirmala UI"/>
+        <a:font script="Tale" typeface="Microsoft Tai Le"/>
+        <a:font script="Talu" typeface="Microsoft New Tai Lue"/>
+        <a:font script="Tfng" typeface="Ebrima"/>
+      </a:majorFont>
+      <a:minorFont>
+        <a:latin typeface="Calibri" panose="020F0502020204030204"/>
+        <a:ea typeface=""/>
+        <a:cs typeface=""/>
+        <a:font script="Jpan" typeface="游ゴシック"/>
+        <a:font script="Hang" typeface="맑은 고딕"/>
+        <a:font script="Hans" typeface="等线"/>
+        <a:font script="Hant" typeface="新細明體"/>
+        <a:font script="Arab" typeface="Arial"/>
+        <a:font script="Hebr" typeface="Arial"/>
+        <a:font script="Thai" typeface="Cordia New"/>
+        <a:font script="Ethi" typeface="Nyala"/>
+        <a:font script="Beng" typeface="Vrinda"/>
+        <a:font script="Gujr" typeface="Shruti"/>
+        <a:font script="Khmr" typeface="DaunPenh"/>
+        <a:font script="Knda" typeface="Tunga"/>
+        <a:font script="Guru" typeface="Raavi"/>
+        <a:font script="Cans" typeface="Euphemia"/>
+        <a:font script="Cher" typeface="Plantagenet Cherokee"/>
+        <a:font script="Yiii" typeface="Microsoft Yi Baiti"/>
+        <a:font script="Tibt" typeface="Microsoft Himalaya"/>
+        <a:font script="Thaa" typeface="MV Boli"/>
+        <a:font script="Deva" typeface="Mangal"/>
+        <a:font script="Telu" typeface="Gautami"/>
+        <a:font script="Taml" typeface="Latha"/>
+        <a:font script="Syrc" typeface="Estrangelo Edessa"/>
+        <a:font script="Orya" typeface="Kalinga"/>
+        <a:font script="Mlym" typeface="Kartika"/>
+        <a:font script="Laoo" typeface="DokChampa"/>
+        <a:font script="Sinh" typeface="Iskoola Pota"/>
+        <a:font script="Mong" typeface="Mongolian Baiti"/>
+        <a:font script="Viet" typeface="Arial"/>
+        <a:font script="Uigh" typeface="Microsoft Uighur"/>
+        <a:font script="Geor" typeface="Sylfaen"/>
+        <a:font script="Armn" typeface="Arial"/>
+        <a:font script="Bugi" typeface="Leelawadee UI"/>
+        <a:font script="Bopo" typeface="Microsoft JhengHei"/>
+        <a:font script="Java" typeface="Javanese Text"/>
+        <a:font script="Lisu" typeface="Segoe UI"/>
+        <a:font script="Mymr" typeface="Myanmar Text"/>
+        <a:font script="Nkoo" typeface="Ebrima"/>
+        <a:font script="Olck" typeface="Nirmala UI"/>
+        <a:font script="Osma" typeface="Ebrima"/>
+        <a:font script="Phag" typeface="Phagspa"/>
+        <a:font script="Syrn" typeface="Estrangelo Edessa"/>
+        <a:font script="Syrj" typeface="Estrangelo Edessa"/>
+        <a:font script="Syre" typeface="Estrangelo Edessa"/>
+        <a:font script="Sora" typeface="Nirmala UI"/>
+        <a:font script="Tale" typeface="Microsoft Tai Le"/>
+        <a:font script="Talu" typeface="Microsoft New Tai Lue"/>
+        <a:font script="Tfng" typeface="Ebrima"/>
+      </a:minorFont>
+    </a:fontScheme>
+    <a:fmtScheme name="Office">
+      <a:fillStyleLst>
+        <a:solidFill>
+          <a:schemeClr val="phClr"/>
+        </a:solidFill>
+        <a:gradFill rotWithShape="1">
+          <a:gsLst>
+            <a:gs pos="0">
+              <a:schemeClr val="phClr">
+                <a:lumMod val="110000"/>
+                <a:satMod val="105000"/>
+                <a:tint val="67000"/>
+              </a:schemeClr>
+            </a:gs>
+            <a:gs pos="50000">
+              <a:schemeClr val="phClr">
+                <a:lumMod val="105000"/>
+                <a:satMod val="103000"/>
+                <a:tint val="73000"/>
+              </a:schemeClr>
+            </a:gs>
+            <a:gs pos="100000">
+              <a:schemeClr val="phClr">
+                <a:lumMod val="105000"/>
+                <a:satMod val="109000"/>
+                <a:tint val="81000"/>
+              </a:schemeClr>
+            </a:gs>
+          </a:gsLst>
+          <a:lin ang="5400000" scaled="0"/>
+        </a:gradFill>
+        <a:gradFill rotWithShape="1">
+          <a:gsLst>
+            <a:gs pos="0">
+              <a:schemeClr val="phClr">
+                <a:satMod val="103000"/>
+                <a:lumMod val="102000"/>
+                <a:tint val="94000"/>
+              </a:schemeClr>
+            </a:gs>
+            <a:gs pos="50000">
+              <a:schemeClr val="phClr">
+                <a:satMod val="110000"/>
+                <a:lumMod val="100000"/>
+                <a:shade val="100000"/>
+              </a:schemeClr>
+            </a:gs>
+            <a:gs pos="100000">
+              <a:schemeClr val="phClr">
+                <a:lumMod val="99000"/>
+                <a:satMod val="120000"/>
+                <a:shade val="78000"/>
+              </a:schemeClr>
+            </a:gs>
+          </a:gsLst>
+          <a:lin ang="5400000" scaled="0"/>
+        </a:gradFill>
+      </a:fillStyleLst>
+      <a:lnStyleLst>
+        <a:ln w="6350" cap="flat" cmpd="sng" algn="ctr">
+          <a:solidFill>
+            <a:schemeClr val="phClr"/>
+          </a:solidFill>
+          <a:prstDash val="solid"/>
+          <a:miter lim="800000"/>
+        </a:ln>
+        <a:ln w="12700" cap="flat" cmpd="sng" algn="ctr">
+          <a:solidFill>
+            <a:schemeClr val="phClr"/>
+          </a:solidFill>
+          <a:prstDash val="solid"/>
+          <a:miter lim="800000"/>
+        </a:ln>
+        <a:ln w="19050" cap="flat" cmpd="sng" algn="ctr">
+          <a:solidFill>
+            <a:schemeClr val="phClr"/>
+          </a:solidFill>
+          <a:prstDash val="solid"/>
+          <a:miter lim="800000"/>
+        </a:ln>
+      </a:lnStyleLst>
+      <a:effectStyleLst>
+        <a:effectStyle>
+          <a:effectLst/>
+        </a:effectStyle>
+        <a:effectStyle>
+          <a:effectLst/>
+        </a:effectStyle>
+        <a:effectStyle>
+          <a:effectLst>
+            <a:outerShdw blurRad="57150" dist="19050" dir="5400000" algn="ctr" rotWithShape="0">
+              <a:srgbClr val="000000">
+                <a:alpha val="63000"/>
+              </a:srgbClr>
+            </a:outerShdw>
+          </a:effectLst>
+        </a:effectStyle>
+      </a:effectStyleLst>
+      <a:bgFillStyleLst>
+        <a:solidFill>
+          <a:schemeClr val="phClr"/>
+        </a:solidFill>
+        <a:solidFill>
+          <a:schemeClr val="phClr">
+            <a:tint val="95000"/>
+            <a:satMod val="170000"/>
+          </a:schemeClr>
+        </a:solidFill>
+        <a:gradFill rotWithShape="1">
+          <a:gsLst>
+            <a:gs pos="0">
+              <a:schemeClr val="phClr">
+                <a:tint val="93000"/>
+                <a:satMod val="150000"/>
+                <a:shade val="98000"/>
+                <a:lumMod val="102000"/>
+              </a:schemeClr>
+            </a:gs>
+            <a:gs pos="50000">
+              <a:schemeClr val="phClr">
+                <a:tint val="98000"/>
+                <a:satMod val="130000"/>
+                <a:shade val="90000"/>
+                <a:lumMod val="103000"/>
+              </a:schemeClr>
+            </a:gs>
+            <a:gs pos="100000">
+              <a:schemeClr val="phClr">
+                <a:shade val="63000"/>
+                <a:satMod val="120000"/>
+              </a:schemeClr>
+            </a:gs>
+          </a:gsLst>
+          <a:lin ang="5400000" scaled="0"/>
+        </a:gradFill>
+      </a:bgFillStyleLst>
+    </a:fmtScheme>
+  </a:themeElements>
+  <a:objectDefaults/>
+  <a:extraClrSchemeLst/>
+  <a:extLst>
+    <a:ext uri="{05A4C25C-085E-4340-85A3-A5531E510DB2}">
+      <thm15:themeFamily xmlns:thm15="http://schemas.microsoft.com/office/thememl/2012/main" name="Office Theme" id="{62F939B6-93AF-4DB8-9C6B-D6C7DFDC589F}" vid="{4A3C46E8-61CC-4603-A589-7422A47A8E4A}"/>
+    </a:ext>
+  </a:extLst>
+</a:theme>
 </file>